--- a/paper - Computer Understanding of Venn & Euler Diagrams/conference presentation/ICTer Presentation.pptx
+++ b/paper - Computer Understanding of Venn & Euler Diagrams/conference presentation/ICTer Presentation.pptx
@@ -125,7 +125,18 @@
   </p:defaultTextStyle>
   <p:extLst>
     <p:ext uri="{EFAFB233-063F-42B5-8137-9DF3F51BA10A}">
-      <p15:sldGuideLst xmlns:p15="http://schemas.microsoft.com/office/powerpoint/2012/main"/>
+      <p15:sldGuideLst xmlns:p15="http://schemas.microsoft.com/office/powerpoint/2012/main">
+        <p15:guide id="1" orient="horz" pos="2160">
+          <p15:clr>
+            <a:srgbClr val="A4A3A4"/>
+          </p15:clr>
+        </p15:guide>
+        <p15:guide id="2" pos="3840">
+          <p15:clr>
+            <a:srgbClr val="A4A3A4"/>
+          </p15:clr>
+        </p15:guide>
+      </p15:sldGuideLst>
     </p:ext>
   </p:extLst>
 </p:presentation>
@@ -213,7 +224,8 @@
           <a:p>
             <a:fld id="{B2EE823A-5994-47F7-98CF-ACD06F96E732}" type="datetimeFigureOut">
               <a:rPr lang="en-US" smtClean="0"/>
-              <a:t>8/29/2016</a:t>
+              <a:pPr/>
+              <a:t>8/30/2016</a:t>
             </a:fld>
             <a:endParaRPr lang="en-US"/>
           </a:p>
@@ -372,6 +384,7 @@
           <a:p>
             <a:fld id="{4B44CCCE-522D-478D-AE34-6B58FA826F5B}" type="slidenum">
               <a:rPr lang="en-US" smtClean="0"/>
+              <a:pPr/>
               <a:t>‹#›</a:t>
             </a:fld>
             <a:endParaRPr lang="en-US"/>
@@ -546,6 +559,7 @@
           <a:p>
             <a:fld id="{4B44CCCE-522D-478D-AE34-6B58FA826F5B}" type="slidenum">
               <a:rPr lang="en-US" smtClean="0"/>
+              <a:pPr/>
               <a:t>8</a:t>
             </a:fld>
             <a:endParaRPr lang="en-US"/>
@@ -751,7 +765,8 @@
           <a:p>
             <a:fld id="{D3006C03-C1D3-4505-912C-E0CBA77C2D49}" type="datetimeFigureOut">
               <a:rPr lang="en-US" smtClean="0"/>
-              <a:t>8/29/2016</a:t>
+              <a:pPr/>
+              <a:t>8/30/2016</a:t>
             </a:fld>
             <a:endParaRPr lang="en-US"/>
           </a:p>
@@ -793,6 +808,7 @@
           <a:p>
             <a:fld id="{1042D30B-2FAE-4A1D-BBC2-C04EBB8CCC1E}" type="slidenum">
               <a:rPr lang="en-US" smtClean="0"/>
+              <a:pPr/>
               <a:t>‹#›</a:t>
             </a:fld>
             <a:endParaRPr lang="en-US"/>
@@ -1026,7 +1042,8 @@
           <a:p>
             <a:fld id="{D3006C03-C1D3-4505-912C-E0CBA77C2D49}" type="datetimeFigureOut">
               <a:rPr lang="en-US" smtClean="0"/>
-              <a:t>8/29/2016</a:t>
+              <a:pPr/>
+              <a:t>8/30/2016</a:t>
             </a:fld>
             <a:endParaRPr lang="en-US"/>
           </a:p>
@@ -1068,6 +1085,7 @@
           <a:p>
             <a:fld id="{1042D30B-2FAE-4A1D-BBC2-C04EBB8CCC1E}" type="slidenum">
               <a:rPr lang="en-US" smtClean="0"/>
+              <a:pPr/>
               <a:t>‹#›</a:t>
             </a:fld>
             <a:endParaRPr lang="en-US"/>
@@ -1220,7 +1238,8 @@
           <a:p>
             <a:fld id="{D3006C03-C1D3-4505-912C-E0CBA77C2D49}" type="datetimeFigureOut">
               <a:rPr lang="en-US" smtClean="0"/>
-              <a:t>8/29/2016</a:t>
+              <a:pPr/>
+              <a:t>8/30/2016</a:t>
             </a:fld>
             <a:endParaRPr lang="en-US"/>
           </a:p>
@@ -1262,6 +1281,7 @@
           <a:p>
             <a:fld id="{1042D30B-2FAE-4A1D-BBC2-C04EBB8CCC1E}" type="slidenum">
               <a:rPr lang="en-US" smtClean="0"/>
+              <a:pPr/>
               <a:t>‹#›</a:t>
             </a:fld>
             <a:endParaRPr lang="en-US"/>
@@ -1493,7 +1513,8 @@
           <a:p>
             <a:fld id="{D3006C03-C1D3-4505-912C-E0CBA77C2D49}" type="datetimeFigureOut">
               <a:rPr lang="en-US" smtClean="0"/>
-              <a:t>8/29/2016</a:t>
+              <a:pPr/>
+              <a:t>8/30/2016</a:t>
             </a:fld>
             <a:endParaRPr lang="en-US"/>
           </a:p>
@@ -1535,6 +1556,7 @@
           <a:p>
             <a:fld id="{1042D30B-2FAE-4A1D-BBC2-C04EBB8CCC1E}" type="slidenum">
               <a:rPr lang="en-US" smtClean="0"/>
+              <a:pPr/>
               <a:t>‹#›</a:t>
             </a:fld>
             <a:endParaRPr lang="en-US"/>
@@ -1834,7 +1856,8 @@
           <a:p>
             <a:fld id="{D3006C03-C1D3-4505-912C-E0CBA77C2D49}" type="datetimeFigureOut">
               <a:rPr lang="en-US" smtClean="0"/>
-              <a:t>8/29/2016</a:t>
+              <a:pPr/>
+              <a:t>8/30/2016</a:t>
             </a:fld>
             <a:endParaRPr lang="en-US"/>
           </a:p>
@@ -1876,6 +1899,7 @@
           <a:p>
             <a:fld id="{1042D30B-2FAE-4A1D-BBC2-C04EBB8CCC1E}" type="slidenum">
               <a:rPr lang="en-US" smtClean="0"/>
+              <a:pPr/>
               <a:t>‹#›</a:t>
             </a:fld>
             <a:endParaRPr lang="en-US"/>
@@ -2457,7 +2481,8 @@
           <a:p>
             <a:fld id="{D3006C03-C1D3-4505-912C-E0CBA77C2D49}" type="datetimeFigureOut">
               <a:rPr lang="en-US" smtClean="0"/>
-              <a:t>8/29/2016</a:t>
+              <a:pPr/>
+              <a:t>8/30/2016</a:t>
             </a:fld>
             <a:endParaRPr lang="en-US"/>
           </a:p>
@@ -2499,6 +2524,7 @@
           <a:p>
             <a:fld id="{1042D30B-2FAE-4A1D-BBC2-C04EBB8CCC1E}" type="slidenum">
               <a:rPr lang="en-US" smtClean="0"/>
+              <a:pPr/>
               <a:t>‹#›</a:t>
             </a:fld>
             <a:endParaRPr lang="en-US"/>
@@ -3317,7 +3343,8 @@
           <a:p>
             <a:fld id="{D3006C03-C1D3-4505-912C-E0CBA77C2D49}" type="datetimeFigureOut">
               <a:rPr lang="en-US" smtClean="0"/>
-              <a:t>8/29/2016</a:t>
+              <a:pPr/>
+              <a:t>8/30/2016</a:t>
             </a:fld>
             <a:endParaRPr lang="en-US"/>
           </a:p>
@@ -3359,6 +3386,7 @@
           <a:p>
             <a:fld id="{1042D30B-2FAE-4A1D-BBC2-C04EBB8CCC1E}" type="slidenum">
               <a:rPr lang="en-US" smtClean="0"/>
+              <a:pPr/>
               <a:t>‹#›</a:t>
             </a:fld>
             <a:endParaRPr lang="en-US"/>
@@ -3487,7 +3515,8 @@
           <a:p>
             <a:fld id="{D3006C03-C1D3-4505-912C-E0CBA77C2D49}" type="datetimeFigureOut">
               <a:rPr lang="en-US" smtClean="0"/>
-              <a:t>8/29/2016</a:t>
+              <a:pPr/>
+              <a:t>8/30/2016</a:t>
             </a:fld>
             <a:endParaRPr lang="en-US"/>
           </a:p>
@@ -3529,6 +3558,7 @@
           <a:p>
             <a:fld id="{1042D30B-2FAE-4A1D-BBC2-C04EBB8CCC1E}" type="slidenum">
               <a:rPr lang="en-US" smtClean="0"/>
+              <a:pPr/>
               <a:t>‹#›</a:t>
             </a:fld>
             <a:endParaRPr lang="en-US"/>
@@ -3667,7 +3697,8 @@
           <a:p>
             <a:fld id="{D3006C03-C1D3-4505-912C-E0CBA77C2D49}" type="datetimeFigureOut">
               <a:rPr lang="en-US" smtClean="0"/>
-              <a:t>8/29/2016</a:t>
+              <a:pPr/>
+              <a:t>8/30/2016</a:t>
             </a:fld>
             <a:endParaRPr lang="en-US"/>
           </a:p>
@@ -3709,6 +3740,7 @@
           <a:p>
             <a:fld id="{1042D30B-2FAE-4A1D-BBC2-C04EBB8CCC1E}" type="slidenum">
               <a:rPr lang="en-US" smtClean="0"/>
+              <a:pPr/>
               <a:t>‹#›</a:t>
             </a:fld>
             <a:endParaRPr lang="en-US"/>
@@ -3837,7 +3869,8 @@
           <a:p>
             <a:fld id="{D3006C03-C1D3-4505-912C-E0CBA77C2D49}" type="datetimeFigureOut">
               <a:rPr lang="en-US" smtClean="0"/>
-              <a:t>8/29/2016</a:t>
+              <a:pPr/>
+              <a:t>8/30/2016</a:t>
             </a:fld>
             <a:endParaRPr lang="en-US"/>
           </a:p>
@@ -3879,6 +3912,7 @@
           <a:p>
             <a:fld id="{1042D30B-2FAE-4A1D-BBC2-C04EBB8CCC1E}" type="slidenum">
               <a:rPr lang="en-US" smtClean="0"/>
+              <a:pPr/>
               <a:t>‹#›</a:t>
             </a:fld>
             <a:endParaRPr lang="en-US"/>
@@ -4084,7 +4118,8 @@
           <a:p>
             <a:fld id="{D3006C03-C1D3-4505-912C-E0CBA77C2D49}" type="datetimeFigureOut">
               <a:rPr lang="en-US" smtClean="0"/>
-              <a:t>8/29/2016</a:t>
+              <a:pPr/>
+              <a:t>8/30/2016</a:t>
             </a:fld>
             <a:endParaRPr lang="en-US"/>
           </a:p>
@@ -4126,6 +4161,7 @@
           <a:p>
             <a:fld id="{1042D30B-2FAE-4A1D-BBC2-C04EBB8CCC1E}" type="slidenum">
               <a:rPr lang="en-US" smtClean="0"/>
+              <a:pPr/>
               <a:t>‹#›</a:t>
             </a:fld>
             <a:endParaRPr lang="en-US"/>
@@ -4376,7 +4412,8 @@
           <a:p>
             <a:fld id="{D3006C03-C1D3-4505-912C-E0CBA77C2D49}" type="datetimeFigureOut">
               <a:rPr lang="en-US" smtClean="0"/>
-              <a:t>8/29/2016</a:t>
+              <a:pPr/>
+              <a:t>8/30/2016</a:t>
             </a:fld>
             <a:endParaRPr lang="en-US"/>
           </a:p>
@@ -4418,6 +4455,7 @@
           <a:p>
             <a:fld id="{1042D30B-2FAE-4A1D-BBC2-C04EBB8CCC1E}" type="slidenum">
               <a:rPr lang="en-US" smtClean="0"/>
+              <a:pPr/>
               <a:t>‹#›</a:t>
             </a:fld>
             <a:endParaRPr lang="en-US"/>
@@ -4820,7 +4858,8 @@
           <a:p>
             <a:fld id="{D3006C03-C1D3-4505-912C-E0CBA77C2D49}" type="datetimeFigureOut">
               <a:rPr lang="en-US" smtClean="0"/>
-              <a:t>8/29/2016</a:t>
+              <a:pPr/>
+              <a:t>8/30/2016</a:t>
             </a:fld>
             <a:endParaRPr lang="en-US"/>
           </a:p>
@@ -4862,6 +4901,7 @@
           <a:p>
             <a:fld id="{1042D30B-2FAE-4A1D-BBC2-C04EBB8CCC1E}" type="slidenum">
               <a:rPr lang="en-US" smtClean="0"/>
+              <a:pPr/>
               <a:t>‹#›</a:t>
             </a:fld>
             <a:endParaRPr lang="en-US"/>
@@ -4938,7 +4978,8 @@
           <a:p>
             <a:fld id="{D3006C03-C1D3-4505-912C-E0CBA77C2D49}" type="datetimeFigureOut">
               <a:rPr lang="en-US" smtClean="0"/>
-              <a:t>8/29/2016</a:t>
+              <a:pPr/>
+              <a:t>8/30/2016</a:t>
             </a:fld>
             <a:endParaRPr lang="en-US"/>
           </a:p>
@@ -4980,6 +5021,7 @@
           <a:p>
             <a:fld id="{1042D30B-2FAE-4A1D-BBC2-C04EBB8CCC1E}" type="slidenum">
               <a:rPr lang="en-US" smtClean="0"/>
+              <a:pPr/>
               <a:t>‹#›</a:t>
             </a:fld>
             <a:endParaRPr lang="en-US"/>
@@ -5033,7 +5075,8 @@
           <a:p>
             <a:fld id="{D3006C03-C1D3-4505-912C-E0CBA77C2D49}" type="datetimeFigureOut">
               <a:rPr lang="en-US" smtClean="0"/>
-              <a:t>8/29/2016</a:t>
+              <a:pPr/>
+              <a:t>8/30/2016</a:t>
             </a:fld>
             <a:endParaRPr lang="en-US"/>
           </a:p>
@@ -5075,6 +5118,7 @@
           <a:p>
             <a:fld id="{1042D30B-2FAE-4A1D-BBC2-C04EBB8CCC1E}" type="slidenum">
               <a:rPr lang="en-US" smtClean="0"/>
+              <a:pPr/>
               <a:t>‹#›</a:t>
             </a:fld>
             <a:endParaRPr lang="en-US"/>
@@ -5312,7 +5356,8 @@
           <a:p>
             <a:fld id="{D3006C03-C1D3-4505-912C-E0CBA77C2D49}" type="datetimeFigureOut">
               <a:rPr lang="en-US" smtClean="0"/>
-              <a:t>8/29/2016</a:t>
+              <a:pPr/>
+              <a:t>8/30/2016</a:t>
             </a:fld>
             <a:endParaRPr lang="en-US"/>
           </a:p>
@@ -5354,6 +5399,7 @@
           <a:p>
             <a:fld id="{1042D30B-2FAE-4A1D-BBC2-C04EBB8CCC1E}" type="slidenum">
               <a:rPr lang="en-US" smtClean="0"/>
+              <a:pPr/>
               <a:t>‹#›</a:t>
             </a:fld>
             <a:endParaRPr lang="en-US"/>
@@ -5587,7 +5633,8 @@
           <a:p>
             <a:fld id="{D3006C03-C1D3-4505-912C-E0CBA77C2D49}" type="datetimeFigureOut">
               <a:rPr lang="en-US" smtClean="0"/>
-              <a:t>8/29/2016</a:t>
+              <a:pPr/>
+              <a:t>8/30/2016</a:t>
             </a:fld>
             <a:endParaRPr lang="en-US"/>
           </a:p>
@@ -5629,6 +5676,7 @@
           <a:p>
             <a:fld id="{1042D30B-2FAE-4A1D-BBC2-C04EBB8CCC1E}" type="slidenum">
               <a:rPr lang="en-US" smtClean="0"/>
+              <a:pPr/>
               <a:t>‹#›</a:t>
             </a:fld>
             <a:endParaRPr lang="en-US"/>
@@ -5679,7 +5727,7 @@
           <p:nvPr/>
         </p:nvPicPr>
         <p:blipFill rotWithShape="1">
-          <a:blip r:embed="rId19">
+          <a:blip r:embed="rId19" cstate="print">
             <a:extLst>
               <a:ext uri="{28A0092B-C50C-407E-A947-70E740481C1C}">
                 <a14:useLocalDpi xmlns:a14="http://schemas.microsoft.com/office/drawing/2010/main" val="0"/>
@@ -5708,7 +5756,7 @@
           <p:nvPr/>
         </p:nvPicPr>
         <p:blipFill rotWithShape="1">
-          <a:blip r:embed="rId20">
+          <a:blip r:embed="rId20" cstate="print">
             <a:extLst>
               <a:ext uri="{28A0092B-C50C-407E-A947-70E740481C1C}">
                 <a14:useLocalDpi xmlns:a14="http://schemas.microsoft.com/office/drawing/2010/main" val="0"/>
@@ -5800,7 +5848,7 @@
           <p:nvPr/>
         </p:nvPicPr>
         <p:blipFill rotWithShape="1">
-          <a:blip r:embed="rId21">
+          <a:blip r:embed="rId21" cstate="print">
             <a:extLst>
               <a:ext uri="{28A0092B-C50C-407E-A947-70E740481C1C}">
                 <a14:useLocalDpi xmlns:a14="http://schemas.microsoft.com/office/drawing/2010/main" val="0"/>
@@ -5829,7 +5877,7 @@
           <p:nvPr/>
         </p:nvPicPr>
         <p:blipFill rotWithShape="1">
-          <a:blip r:embed="rId22">
+          <a:blip r:embed="rId22" cstate="print">
             <a:extLst>
               <a:ext uri="{28A0092B-C50C-407E-A947-70E740481C1C}">
                 <a14:useLocalDpi xmlns:a14="http://schemas.microsoft.com/office/drawing/2010/main" val="0"/>
@@ -6016,7 +6064,8 @@
           <a:p>
             <a:fld id="{D3006C03-C1D3-4505-912C-E0CBA77C2D49}" type="datetimeFigureOut">
               <a:rPr lang="en-US" smtClean="0"/>
-              <a:t>8/29/2016</a:t>
+              <a:pPr/>
+              <a:t>8/30/2016</a:t>
             </a:fld>
             <a:endParaRPr lang="en-US"/>
           </a:p>
@@ -6095,6 +6144,7 @@
           <a:p>
             <a:fld id="{1042D30B-2FAE-4A1D-BBC2-C04EBB8CCC1E}" type="slidenum">
               <a:rPr lang="en-US" smtClean="0"/>
+              <a:pPr/>
               <a:t>‹#›</a:t>
             </a:fld>
             <a:endParaRPr lang="en-US"/>
@@ -6586,83 +6636,111 @@
           <a:lstStyle/>
           <a:p>
             <a:r>
-              <a:rPr lang="en-US" dirty="0"/>
+              <a:rPr lang="en-US" cap="none" dirty="0" smtClean="0"/>
               <a:t>Diunuge B. </a:t>
             </a:r>
             <a:r>
-              <a:rPr lang="en-US" dirty="0" err="1"/>
+              <a:rPr lang="en-US" cap="none" dirty="0" err="1" smtClean="0"/>
               <a:t>Wijesinghe</a:t>
             </a:r>
             <a:r>
-              <a:rPr lang="en-US" dirty="0"/>
+              <a:rPr lang="en-US" cap="none" dirty="0" smtClean="0"/>
               <a:t>, </a:t>
             </a:r>
             <a:r>
-              <a:rPr lang="en-US" dirty="0" err="1"/>
-              <a:t>Surangika</a:t>
-            </a:r>
-            <a:r>
-              <a:rPr lang="en-US" dirty="0"/>
+              <a:rPr lang="en-US" cap="none" dirty="0" err="1"/>
+              <a:t>S</a:t>
+            </a:r>
+            <a:r>
+              <a:rPr lang="en-US" cap="none" dirty="0" err="1" smtClean="0"/>
+              <a:t>urangika</a:t>
+            </a:r>
+            <a:r>
+              <a:rPr lang="en-US" cap="none" dirty="0" smtClean="0"/>
               <a:t> </a:t>
             </a:r>
             <a:r>
-              <a:rPr lang="en-US" dirty="0" err="1"/>
-              <a:t>Ranathunga</a:t>
-            </a:r>
-            <a:r>
-              <a:rPr lang="en-US" dirty="0"/>
+              <a:rPr lang="en-US" cap="none" dirty="0" err="1"/>
+              <a:t>R</a:t>
+            </a:r>
+            <a:r>
+              <a:rPr lang="en-US" cap="none" dirty="0" err="1" smtClean="0"/>
+              <a:t>anathunga</a:t>
+            </a:r>
+            <a:r>
+              <a:rPr lang="en-US" cap="none" dirty="0" smtClean="0"/>
               <a:t>, </a:t>
             </a:r>
             <a:r>
-              <a:rPr lang="en-US" dirty="0" err="1"/>
-              <a:t>Gihan</a:t>
-            </a:r>
-            <a:r>
-              <a:rPr lang="en-US" dirty="0"/>
+              <a:rPr lang="en-US" cap="none" dirty="0" err="1"/>
+              <a:t>G</a:t>
+            </a:r>
+            <a:r>
+              <a:rPr lang="en-US" cap="none" dirty="0" err="1" smtClean="0"/>
+              <a:t>ihan</a:t>
+            </a:r>
+            <a:r>
+              <a:rPr lang="en-US" cap="none" dirty="0" smtClean="0"/>
               <a:t> </a:t>
             </a:r>
             <a:r>
-              <a:rPr lang="en-US" dirty="0" smtClean="0"/>
-              <a:t>Dias</a:t>
-            </a:r>
-          </a:p>
-          <a:p>
-            <a:r>
-              <a:rPr lang="en-GB" i="1" dirty="0"/>
-              <a:t>Department of Computer Science and Engineering, University of </a:t>
-            </a:r>
-            <a:r>
-              <a:rPr lang="en-GB" i="1" dirty="0" err="1"/>
-              <a:t>Moratuwa</a:t>
-            </a:r>
-            <a:r>
-              <a:rPr lang="en-GB" i="1" dirty="0"/>
+              <a:rPr lang="en-US" cap="none" dirty="0"/>
+              <a:t>D</a:t>
+            </a:r>
+            <a:r>
+              <a:rPr lang="en-US" cap="none" dirty="0" smtClean="0"/>
+              <a:t>ias</a:t>
+            </a:r>
+          </a:p>
+          <a:p>
+            <a:r>
+              <a:rPr lang="en-GB" i="1" cap="none" dirty="0" smtClean="0"/>
+              <a:t>Department of Computer </a:t>
+            </a:r>
+            <a:r>
+              <a:rPr lang="en-GB" i="1" cap="none" dirty="0"/>
+              <a:t>S</a:t>
+            </a:r>
+            <a:r>
+              <a:rPr lang="en-GB" i="1" cap="none" dirty="0" smtClean="0"/>
+              <a:t>cience and Engineering, University of </a:t>
+            </a:r>
+            <a:r>
+              <a:rPr lang="en-GB" i="1" cap="none" dirty="0" err="1"/>
+              <a:t>M</a:t>
+            </a:r>
+            <a:r>
+              <a:rPr lang="en-GB" i="1" cap="none" dirty="0" err="1" smtClean="0"/>
+              <a:t>oratuwa</a:t>
+            </a:r>
+            <a:r>
+              <a:rPr lang="en-GB" i="1" cap="none" dirty="0" smtClean="0"/>
               <a:t>, Sri Lanka</a:t>
             </a:r>
-            <a:endParaRPr lang="en-US" i="1" dirty="0"/>
-          </a:p>
-          <a:p>
-            <a:r>
-              <a:rPr lang="en-GB" dirty="0"/>
+            <a:endParaRPr lang="en-US" i="1" cap="none" dirty="0" smtClean="0"/>
+          </a:p>
+          <a:p>
+            <a:r>
+              <a:rPr lang="en-GB" cap="none" dirty="0" smtClean="0"/>
               <a:t>{diunuge.10, </a:t>
             </a:r>
             <a:r>
-              <a:rPr lang="en-GB" dirty="0" err="1"/>
+              <a:rPr lang="en-GB" cap="none" dirty="0" err="1" smtClean="0"/>
               <a:t>surangika</a:t>
             </a:r>
             <a:r>
-              <a:rPr lang="en-GB" dirty="0"/>
+              <a:rPr lang="en-GB" cap="none" dirty="0" smtClean="0"/>
               <a:t>, </a:t>
             </a:r>
             <a:r>
-              <a:rPr lang="en-GB" dirty="0" err="1"/>
+              <a:rPr lang="en-GB" cap="none" dirty="0" err="1" smtClean="0"/>
               <a:t>gihan</a:t>
             </a:r>
             <a:r>
-              <a:rPr lang="en-GB" dirty="0"/>
+              <a:rPr lang="en-GB" cap="none" dirty="0" smtClean="0"/>
               <a:t>}@cse.mrt.ac.lk</a:t>
             </a:r>
-            <a:endParaRPr lang="en-US" dirty="0"/>
+            <a:endParaRPr lang="en-US" cap="none" dirty="0" smtClean="0"/>
           </a:p>
           <a:p>
             <a:endParaRPr lang="en-US" dirty="0"/>
@@ -6679,6 +6757,13 @@
   <p:clrMapOvr>
     <a:masterClrMapping/>
   </p:clrMapOvr>
+  <p:timing>
+    <p:tnLst>
+      <p:par>
+        <p:cTn id="1" dur="indefinite" restart="never" nodeType="tmRoot"/>
+      </p:par>
+    </p:tnLst>
+  </p:timing>
 </p:sld>
 </file>
 
@@ -6732,29 +6817,29 @@
             <p:ph idx="1"/>
             <p:extLst>
               <p:ext uri="{D42A27DB-BD31-4B8C-83A1-F6EECF244321}">
-                <p14:modId xmlns:p14="http://schemas.microsoft.com/office/powerpoint/2010/main" val="3199971986"/>
+                <p14:modId xmlns:p14="http://schemas.microsoft.com/office/powerpoint/2010/main" val="83830548"/>
               </p:ext>
             </p:extLst>
           </p:nvPr>
         </p:nvGraphicFramePr>
         <p:xfrm>
-          <a:off x="1337482" y="1853248"/>
-          <a:ext cx="9485193" cy="3977296"/>
+          <a:off x="1337483" y="1853249"/>
+          <a:ext cx="8812356" cy="3690303"/>
         </p:xfrm>
         <a:graphic>
           <a:graphicData uri="http://schemas.openxmlformats.org/drawingml/2006/table">
             <a:tbl>
               <a:tblPr firstRow="1" firstCol="1" bandRow="1">
-                <a:tableStyleId>{5C22544A-7EE6-4342-B048-85BDC9FD1C3A}</a:tableStyleId>
+                <a:tableStyleId>{69C7853C-536D-4A76-A0AE-DD22124D55A5}</a:tableStyleId>
               </a:tblPr>
               <a:tblGrid>
-                <a:gridCol w="1729790"/>
-                <a:gridCol w="1729790"/>
-                <a:gridCol w="1827244"/>
-                <a:gridCol w="2050260"/>
-                <a:gridCol w="2148109"/>
+                <a:gridCol w="1607086"/>
+                <a:gridCol w="1607086"/>
+                <a:gridCol w="1697628"/>
+                <a:gridCol w="1904824"/>
+                <a:gridCol w="1995732"/>
               </a:tblGrid>
-              <a:tr h="990256">
+              <a:tr h="866041">
                 <a:tc>
                   <a:txBody>
                     <a:bodyPr/>
@@ -6769,12 +6854,12 @@
                         </a:spcAft>
                       </a:pPr>
                       <a:r>
-                        <a:rPr lang="en-AU" sz="2800">
+                        <a:rPr lang="en-AU" sz="2000" dirty="0">
                           <a:effectLst/>
                         </a:rPr>
                         <a:t>Diagram No.</a:t>
                       </a:r>
-                      <a:endParaRPr lang="en-US" sz="4000">
+                      <a:endParaRPr lang="en-US" sz="3200" dirty="0">
                         <a:effectLst/>
                         <a:latin typeface="Times New Roman" panose="02020603050405020304" pitchFamily="18" charset="0"/>
                         <a:ea typeface="SimSun" panose="02010600030101010101" pitchFamily="2" charset="-122"/>
@@ -6797,12 +6882,12 @@
                         </a:spcAft>
                       </a:pPr>
                       <a:r>
-                        <a:rPr lang="en-AU" sz="2800">
+                        <a:rPr lang="en-AU" sz="2000" dirty="0">
                           <a:effectLst/>
                         </a:rPr>
                         <a:t>Diagram Type</a:t>
                       </a:r>
-                      <a:endParaRPr lang="en-US" sz="4000">
+                      <a:endParaRPr lang="en-US" sz="3200" dirty="0">
                         <a:effectLst/>
                         <a:latin typeface="Times New Roman" panose="02020603050405020304" pitchFamily="18" charset="0"/>
                         <a:ea typeface="SimSun" panose="02010600030101010101" pitchFamily="2" charset="-122"/>
@@ -6825,12 +6910,12 @@
                         </a:spcAft>
                       </a:pPr>
                       <a:r>
-                        <a:rPr lang="en-AU" sz="2800">
+                        <a:rPr lang="en-AU" sz="2000">
                           <a:effectLst/>
                         </a:rPr>
                         <a:t>Correctly Parsed</a:t>
                       </a:r>
-                      <a:endParaRPr lang="en-US" sz="4000">
+                      <a:endParaRPr lang="en-US" sz="3200">
                         <a:effectLst/>
                         <a:latin typeface="Times New Roman" panose="02020603050405020304" pitchFamily="18" charset="0"/>
                         <a:ea typeface="SimSun" panose="02010600030101010101" pitchFamily="2" charset="-122"/>
@@ -6853,12 +6938,12 @@
                         </a:spcAft>
                       </a:pPr>
                       <a:r>
-                        <a:rPr lang="en-AU" sz="2800">
+                        <a:rPr lang="en-AU" sz="2000">
                           <a:effectLst/>
                         </a:rPr>
                         <a:t>Incorrectly Parsed</a:t>
                       </a:r>
-                      <a:endParaRPr lang="en-US" sz="4000">
+                      <a:endParaRPr lang="en-US" sz="3200">
                         <a:effectLst/>
                         <a:latin typeface="Times New Roman" panose="02020603050405020304" pitchFamily="18" charset="0"/>
                         <a:ea typeface="SimSun" panose="02010600030101010101" pitchFamily="2" charset="-122"/>
@@ -6881,12 +6966,12 @@
                         </a:spcAft>
                       </a:pPr>
                       <a:r>
-                        <a:rPr lang="en-AU" sz="2800">
+                        <a:rPr lang="en-AU" sz="2000">
                           <a:effectLst/>
                         </a:rPr>
                         <a:t>Accuracy</a:t>
                       </a:r>
-                      <a:endParaRPr lang="en-US" sz="4000">
+                      <a:endParaRPr lang="en-US" sz="3200">
                         <a:effectLst/>
                         <a:latin typeface="Times New Roman" panose="02020603050405020304" pitchFamily="18" charset="0"/>
                         <a:ea typeface="SimSun" panose="02010600030101010101" pitchFamily="2" charset="-122"/>
@@ -6896,7 +6981,7 @@
                   <a:tcPr marL="68580" marR="68580" marT="0" marB="0"/>
                 </a:tc>
               </a:tr>
-              <a:tr h="330085">
+              <a:tr h="403466">
                 <a:tc>
                   <a:txBody>
                     <a:bodyPr/>
@@ -6911,12 +6996,12 @@
                         </a:spcAft>
                       </a:pPr>
                       <a:r>
-                        <a:rPr lang="en-AU" sz="2800">
+                        <a:rPr lang="en-AU" sz="2000">
                           <a:effectLst/>
                         </a:rPr>
                         <a:t>1</a:t>
                       </a:r>
-                      <a:endParaRPr lang="en-US" sz="4000">
+                      <a:endParaRPr lang="en-US" sz="3200">
                         <a:effectLst/>
                         <a:latin typeface="Times New Roman" panose="02020603050405020304" pitchFamily="18" charset="0"/>
                         <a:ea typeface="SimSun" panose="02010600030101010101" pitchFamily="2" charset="-122"/>
@@ -6939,12 +7024,12 @@
                         </a:spcAft>
                       </a:pPr>
                       <a:r>
-                        <a:rPr lang="en-AU" sz="2800">
+                        <a:rPr lang="en-AU" sz="2000">
                           <a:effectLst/>
                         </a:rPr>
                         <a:t>Venn</a:t>
                       </a:r>
-                      <a:endParaRPr lang="en-US" sz="4000">
+                      <a:endParaRPr lang="en-US" sz="3200">
                         <a:effectLst/>
                         <a:latin typeface="Times New Roman" panose="02020603050405020304" pitchFamily="18" charset="0"/>
                         <a:ea typeface="SimSun" panose="02010600030101010101" pitchFamily="2" charset="-122"/>
@@ -6967,12 +7052,12 @@
                         </a:spcAft>
                       </a:pPr>
                       <a:r>
-                        <a:rPr lang="en-AU" sz="2800">
+                        <a:rPr lang="en-AU" sz="2000">
                           <a:effectLst/>
                         </a:rPr>
                         <a:t>17</a:t>
                       </a:r>
-                      <a:endParaRPr lang="en-US" sz="4000">
+                      <a:endParaRPr lang="en-US" sz="3200">
                         <a:effectLst/>
                         <a:latin typeface="Times New Roman" panose="02020603050405020304" pitchFamily="18" charset="0"/>
                         <a:ea typeface="SimSun" panose="02010600030101010101" pitchFamily="2" charset="-122"/>
@@ -6995,12 +7080,12 @@
                         </a:spcAft>
                       </a:pPr>
                       <a:r>
-                        <a:rPr lang="en-AU" sz="2800">
+                        <a:rPr lang="en-AU" sz="2000">
                           <a:effectLst/>
                         </a:rPr>
                         <a:t>2</a:t>
                       </a:r>
-                      <a:endParaRPr lang="en-US" sz="4000">
+                      <a:endParaRPr lang="en-US" sz="3200">
                         <a:effectLst/>
                         <a:latin typeface="Times New Roman" panose="02020603050405020304" pitchFamily="18" charset="0"/>
                         <a:ea typeface="SimSun" panose="02010600030101010101" pitchFamily="2" charset="-122"/>
@@ -7023,12 +7108,12 @@
                         </a:spcAft>
                       </a:pPr>
                       <a:r>
-                        <a:rPr lang="en-AU" sz="2800">
+                        <a:rPr lang="en-AU" sz="2000">
                           <a:effectLst/>
                         </a:rPr>
                         <a:t>89.5%</a:t>
                       </a:r>
-                      <a:endParaRPr lang="en-US" sz="4000">
+                      <a:endParaRPr lang="en-US" sz="3200">
                         <a:effectLst/>
                         <a:latin typeface="Times New Roman" panose="02020603050405020304" pitchFamily="18" charset="0"/>
                         <a:ea typeface="SimSun" panose="02010600030101010101" pitchFamily="2" charset="-122"/>
@@ -7038,7 +7123,7 @@
                   <a:tcPr marL="68580" marR="68580" marT="0" marB="0"/>
                 </a:tc>
               </a:tr>
-              <a:tr h="330085">
+              <a:tr h="403466">
                 <a:tc>
                   <a:txBody>
                     <a:bodyPr/>
@@ -7053,12 +7138,12 @@
                         </a:spcAft>
                       </a:pPr>
                       <a:r>
-                        <a:rPr lang="en-AU" sz="2800">
+                        <a:rPr lang="en-AU" sz="2000">
                           <a:effectLst/>
                         </a:rPr>
                         <a:t>2</a:t>
                       </a:r>
-                      <a:endParaRPr lang="en-US" sz="4000">
+                      <a:endParaRPr lang="en-US" sz="3200">
                         <a:effectLst/>
                         <a:latin typeface="Times New Roman" panose="02020603050405020304" pitchFamily="18" charset="0"/>
                         <a:ea typeface="SimSun" panose="02010600030101010101" pitchFamily="2" charset="-122"/>
@@ -7081,12 +7166,12 @@
                         </a:spcAft>
                       </a:pPr>
                       <a:r>
-                        <a:rPr lang="en-AU" sz="2800">
+                        <a:rPr lang="en-AU" sz="2000">
                           <a:effectLst/>
                         </a:rPr>
                         <a:t>Venn</a:t>
                       </a:r>
-                      <a:endParaRPr lang="en-US" sz="4000">
+                      <a:endParaRPr lang="en-US" sz="3200">
                         <a:effectLst/>
                         <a:latin typeface="Times New Roman" panose="02020603050405020304" pitchFamily="18" charset="0"/>
                         <a:ea typeface="SimSun" panose="02010600030101010101" pitchFamily="2" charset="-122"/>
@@ -7109,12 +7194,12 @@
                         </a:spcAft>
                       </a:pPr>
                       <a:r>
-                        <a:rPr lang="en-AU" sz="2800">
+                        <a:rPr lang="en-AU" sz="2000">
                           <a:effectLst/>
                         </a:rPr>
                         <a:t>12</a:t>
                       </a:r>
-                      <a:endParaRPr lang="en-US" sz="4000">
+                      <a:endParaRPr lang="en-US" sz="3200">
                         <a:effectLst/>
                         <a:latin typeface="Times New Roman" panose="02020603050405020304" pitchFamily="18" charset="0"/>
                         <a:ea typeface="SimSun" panose="02010600030101010101" pitchFamily="2" charset="-122"/>
@@ -7137,12 +7222,12 @@
                         </a:spcAft>
                       </a:pPr>
                       <a:r>
-                        <a:rPr lang="en-AU" sz="2800">
+                        <a:rPr lang="en-AU" sz="2000">
                           <a:effectLst/>
                         </a:rPr>
                         <a:t>0</a:t>
                       </a:r>
-                      <a:endParaRPr lang="en-US" sz="4000">
+                      <a:endParaRPr lang="en-US" sz="3200">
                         <a:effectLst/>
                         <a:latin typeface="Times New Roman" panose="02020603050405020304" pitchFamily="18" charset="0"/>
                         <a:ea typeface="SimSun" panose="02010600030101010101" pitchFamily="2" charset="-122"/>
@@ -7165,12 +7250,12 @@
                         </a:spcAft>
                       </a:pPr>
                       <a:r>
-                        <a:rPr lang="en-AU" sz="2800">
+                        <a:rPr lang="en-AU" sz="2000">
                           <a:effectLst/>
                         </a:rPr>
                         <a:t>100%</a:t>
                       </a:r>
-                      <a:endParaRPr lang="en-US" sz="4000">
+                      <a:endParaRPr lang="en-US" sz="3200">
                         <a:effectLst/>
                         <a:latin typeface="Times New Roman" panose="02020603050405020304" pitchFamily="18" charset="0"/>
                         <a:ea typeface="SimSun" panose="02010600030101010101" pitchFamily="2" charset="-122"/>
@@ -7180,7 +7265,7 @@
                   <a:tcPr marL="68580" marR="68580" marT="0" marB="0"/>
                 </a:tc>
               </a:tr>
-              <a:tr h="400229">
+              <a:tr h="403466">
                 <a:tc>
                   <a:txBody>
                     <a:bodyPr/>
@@ -7195,12 +7280,12 @@
                         </a:spcAft>
                       </a:pPr>
                       <a:r>
-                        <a:rPr lang="en-AU" sz="2800">
+                        <a:rPr lang="en-AU" sz="2000">
                           <a:effectLst/>
                         </a:rPr>
                         <a:t>3</a:t>
                       </a:r>
-                      <a:endParaRPr lang="en-US" sz="4000">
+                      <a:endParaRPr lang="en-US" sz="3200">
                         <a:effectLst/>
                         <a:latin typeface="Times New Roman" panose="02020603050405020304" pitchFamily="18" charset="0"/>
                         <a:ea typeface="SimSun" panose="02010600030101010101" pitchFamily="2" charset="-122"/>
@@ -7223,12 +7308,12 @@
                         </a:spcAft>
                       </a:pPr>
                       <a:r>
-                        <a:rPr lang="en-AU" sz="2800">
+                        <a:rPr lang="en-AU" sz="2000">
                           <a:effectLst/>
                         </a:rPr>
                         <a:t>Euler</a:t>
                       </a:r>
-                      <a:endParaRPr lang="en-US" sz="4000">
+                      <a:endParaRPr lang="en-US" sz="3200">
                         <a:effectLst/>
                         <a:latin typeface="Times New Roman" panose="02020603050405020304" pitchFamily="18" charset="0"/>
                         <a:ea typeface="SimSun" panose="02010600030101010101" pitchFamily="2" charset="-122"/>
@@ -7251,12 +7336,12 @@
                         </a:spcAft>
                       </a:pPr>
                       <a:r>
-                        <a:rPr lang="en-AU" sz="2800">
+                        <a:rPr lang="en-AU" sz="2000">
                           <a:effectLst/>
                         </a:rPr>
                         <a:t>11</a:t>
                       </a:r>
-                      <a:endParaRPr lang="en-US" sz="4000">
+                      <a:endParaRPr lang="en-US" sz="3200">
                         <a:effectLst/>
                         <a:latin typeface="Times New Roman" panose="02020603050405020304" pitchFamily="18" charset="0"/>
                         <a:ea typeface="SimSun" panose="02010600030101010101" pitchFamily="2" charset="-122"/>
@@ -7279,12 +7364,12 @@
                         </a:spcAft>
                       </a:pPr>
                       <a:r>
-                        <a:rPr lang="en-AU" sz="2800">
+                        <a:rPr lang="en-AU" sz="2000">
                           <a:effectLst/>
                         </a:rPr>
                         <a:t>0</a:t>
                       </a:r>
-                      <a:endParaRPr lang="en-US" sz="4000">
+                      <a:endParaRPr lang="en-US" sz="3200">
                         <a:effectLst/>
                         <a:latin typeface="Times New Roman" panose="02020603050405020304" pitchFamily="18" charset="0"/>
                         <a:ea typeface="SimSun" panose="02010600030101010101" pitchFamily="2" charset="-122"/>
@@ -7307,12 +7392,12 @@
                         </a:spcAft>
                       </a:pPr>
                       <a:r>
-                        <a:rPr lang="en-AU" sz="2800">
+                        <a:rPr lang="en-AU" sz="2000">
                           <a:effectLst/>
                         </a:rPr>
                         <a:t>100%</a:t>
                       </a:r>
-                      <a:endParaRPr lang="en-US" sz="4000">
+                      <a:endParaRPr lang="en-US" sz="3200">
                         <a:effectLst/>
                         <a:latin typeface="Times New Roman" panose="02020603050405020304" pitchFamily="18" charset="0"/>
                         <a:ea typeface="SimSun" panose="02010600030101010101" pitchFamily="2" charset="-122"/>
@@ -7322,7 +7407,7 @@
                   <a:tcPr marL="68580" marR="68580" marT="0" marB="0"/>
                 </a:tc>
               </a:tr>
-              <a:tr h="330085">
+              <a:tr h="403466">
                 <a:tc>
                   <a:txBody>
                     <a:bodyPr/>
@@ -7337,12 +7422,12 @@
                         </a:spcAft>
                       </a:pPr>
                       <a:r>
-                        <a:rPr lang="en-AU" sz="2800">
+                        <a:rPr lang="en-AU" sz="2000">
                           <a:effectLst/>
                         </a:rPr>
                         <a:t>4</a:t>
                       </a:r>
-                      <a:endParaRPr lang="en-US" sz="4000">
+                      <a:endParaRPr lang="en-US" sz="3200">
                         <a:effectLst/>
                         <a:latin typeface="Times New Roman" panose="02020603050405020304" pitchFamily="18" charset="0"/>
                         <a:ea typeface="SimSun" panose="02010600030101010101" pitchFamily="2" charset="-122"/>
@@ -7365,12 +7450,12 @@
                         </a:spcAft>
                       </a:pPr>
                       <a:r>
-                        <a:rPr lang="en-AU" sz="2800">
+                        <a:rPr lang="en-AU" sz="2000">
                           <a:effectLst/>
                         </a:rPr>
                         <a:t>Euler</a:t>
                       </a:r>
-                      <a:endParaRPr lang="en-US" sz="4000">
+                      <a:endParaRPr lang="en-US" sz="3200">
                         <a:effectLst/>
                         <a:latin typeface="Times New Roman" panose="02020603050405020304" pitchFamily="18" charset="0"/>
                         <a:ea typeface="SimSun" panose="02010600030101010101" pitchFamily="2" charset="-122"/>
@@ -7393,12 +7478,12 @@
                         </a:spcAft>
                       </a:pPr>
                       <a:r>
-                        <a:rPr lang="en-AU" sz="2800">
+                        <a:rPr lang="en-AU" sz="2000">
                           <a:effectLst/>
                         </a:rPr>
                         <a:t>11</a:t>
                       </a:r>
-                      <a:endParaRPr lang="en-US" sz="4000">
+                      <a:endParaRPr lang="en-US" sz="3200">
                         <a:effectLst/>
                         <a:latin typeface="Times New Roman" panose="02020603050405020304" pitchFamily="18" charset="0"/>
                         <a:ea typeface="SimSun" panose="02010600030101010101" pitchFamily="2" charset="-122"/>
@@ -7421,12 +7506,12 @@
                         </a:spcAft>
                       </a:pPr>
                       <a:r>
-                        <a:rPr lang="en-AU" sz="2800">
+                        <a:rPr lang="en-AU" sz="2000">
                           <a:effectLst/>
                         </a:rPr>
                         <a:t>0</a:t>
                       </a:r>
-                      <a:endParaRPr lang="en-US" sz="4000">
+                      <a:endParaRPr lang="en-US" sz="3200">
                         <a:effectLst/>
                         <a:latin typeface="Times New Roman" panose="02020603050405020304" pitchFamily="18" charset="0"/>
                         <a:ea typeface="SimSun" panose="02010600030101010101" pitchFamily="2" charset="-122"/>
@@ -7449,12 +7534,12 @@
                         </a:spcAft>
                       </a:pPr>
                       <a:r>
-                        <a:rPr lang="en-AU" sz="2800">
+                        <a:rPr lang="en-AU" sz="2000">
                           <a:effectLst/>
                         </a:rPr>
                         <a:t>100%</a:t>
                       </a:r>
-                      <a:endParaRPr lang="en-US" sz="4000">
+                      <a:endParaRPr lang="en-US" sz="3200">
                         <a:effectLst/>
                         <a:latin typeface="Times New Roman" panose="02020603050405020304" pitchFamily="18" charset="0"/>
                         <a:ea typeface="SimSun" panose="02010600030101010101" pitchFamily="2" charset="-122"/>
@@ -7464,7 +7549,7 @@
                   <a:tcPr marL="68580" marR="68580" marT="0" marB="0"/>
                 </a:tc>
               </a:tr>
-              <a:tr h="330085">
+              <a:tr h="403466">
                 <a:tc>
                   <a:txBody>
                     <a:bodyPr/>
@@ -7479,12 +7564,12 @@
                         </a:spcAft>
                       </a:pPr>
                       <a:r>
-                        <a:rPr lang="en-AU" sz="2800">
+                        <a:rPr lang="en-AU" sz="2000">
                           <a:effectLst/>
                         </a:rPr>
                         <a:t>5</a:t>
                       </a:r>
-                      <a:endParaRPr lang="en-US" sz="4000">
+                      <a:endParaRPr lang="en-US" sz="3200">
                         <a:effectLst/>
                         <a:latin typeface="Times New Roman" panose="02020603050405020304" pitchFamily="18" charset="0"/>
                         <a:ea typeface="SimSun" panose="02010600030101010101" pitchFamily="2" charset="-122"/>
@@ -7507,12 +7592,12 @@
                         </a:spcAft>
                       </a:pPr>
                       <a:r>
-                        <a:rPr lang="en-AU" sz="2800">
+                        <a:rPr lang="en-AU" sz="2000">
                           <a:effectLst/>
                         </a:rPr>
                         <a:t>Euler</a:t>
                       </a:r>
-                      <a:endParaRPr lang="en-US" sz="4000">
+                      <a:endParaRPr lang="en-US" sz="3200">
                         <a:effectLst/>
                         <a:latin typeface="Times New Roman" panose="02020603050405020304" pitchFamily="18" charset="0"/>
                         <a:ea typeface="SimSun" panose="02010600030101010101" pitchFamily="2" charset="-122"/>
@@ -7535,12 +7620,12 @@
                         </a:spcAft>
                       </a:pPr>
                       <a:r>
-                        <a:rPr lang="en-AU" sz="2800">
+                        <a:rPr lang="en-AU" sz="2000">
                           <a:effectLst/>
                         </a:rPr>
                         <a:t>3</a:t>
                       </a:r>
-                      <a:endParaRPr lang="en-US" sz="4000">
+                      <a:endParaRPr lang="en-US" sz="3200">
                         <a:effectLst/>
                         <a:latin typeface="Times New Roman" panose="02020603050405020304" pitchFamily="18" charset="0"/>
                         <a:ea typeface="SimSun" panose="02010600030101010101" pitchFamily="2" charset="-122"/>
@@ -7563,12 +7648,12 @@
                         </a:spcAft>
                       </a:pPr>
                       <a:r>
-                        <a:rPr lang="en-AU" sz="2800">
+                        <a:rPr lang="en-AU" sz="2000">
                           <a:effectLst/>
                         </a:rPr>
                         <a:t>2</a:t>
                       </a:r>
-                      <a:endParaRPr lang="en-US" sz="4000">
+                      <a:endParaRPr lang="en-US" sz="3200">
                         <a:effectLst/>
                         <a:latin typeface="Times New Roman" panose="02020603050405020304" pitchFamily="18" charset="0"/>
                         <a:ea typeface="SimSun" panose="02010600030101010101" pitchFamily="2" charset="-122"/>
@@ -7591,12 +7676,12 @@
                         </a:spcAft>
                       </a:pPr>
                       <a:r>
-                        <a:rPr lang="en-AU" sz="2800">
+                        <a:rPr lang="en-AU" sz="2000">
                           <a:effectLst/>
                         </a:rPr>
                         <a:t>60.0%</a:t>
                       </a:r>
-                      <a:endParaRPr lang="en-US" sz="4000">
+                      <a:endParaRPr lang="en-US" sz="3200">
                         <a:effectLst/>
                         <a:latin typeface="Times New Roman" panose="02020603050405020304" pitchFamily="18" charset="0"/>
                         <a:ea typeface="SimSun" panose="02010600030101010101" pitchFamily="2" charset="-122"/>
@@ -7606,7 +7691,7 @@
                   <a:tcPr marL="68580" marR="68580" marT="0" marB="0"/>
                 </a:tc>
               </a:tr>
-              <a:tr h="400861">
+              <a:tr h="403466">
                 <a:tc>
                   <a:txBody>
                     <a:bodyPr/>
@@ -7621,12 +7706,12 @@
                         </a:spcAft>
                       </a:pPr>
                       <a:r>
-                        <a:rPr lang="en-AU" sz="2800">
+                        <a:rPr lang="en-AU" sz="2000">
                           <a:effectLst/>
                         </a:rPr>
                         <a:t>6</a:t>
                       </a:r>
-                      <a:endParaRPr lang="en-US" sz="4000">
+                      <a:endParaRPr lang="en-US" sz="3200">
                         <a:effectLst/>
                         <a:latin typeface="Times New Roman" panose="02020603050405020304" pitchFamily="18" charset="0"/>
                         <a:ea typeface="SimSun" panose="02010600030101010101" pitchFamily="2" charset="-122"/>
@@ -7649,12 +7734,12 @@
                         </a:spcAft>
                       </a:pPr>
                       <a:r>
-                        <a:rPr lang="en-AU" sz="2800">
+                        <a:rPr lang="en-AU" sz="2000">
                           <a:effectLst/>
                         </a:rPr>
                         <a:t>Euler</a:t>
                       </a:r>
-                      <a:endParaRPr lang="en-US" sz="4000">
+                      <a:endParaRPr lang="en-US" sz="3200">
                         <a:effectLst/>
                         <a:latin typeface="Times New Roman" panose="02020603050405020304" pitchFamily="18" charset="0"/>
                         <a:ea typeface="SimSun" panose="02010600030101010101" pitchFamily="2" charset="-122"/>
@@ -7677,12 +7762,12 @@
                         </a:spcAft>
                       </a:pPr>
                       <a:r>
-                        <a:rPr lang="en-AU" sz="2800">
+                        <a:rPr lang="en-AU" sz="2000">
                           <a:effectLst/>
                         </a:rPr>
                         <a:t>5</a:t>
                       </a:r>
-                      <a:endParaRPr lang="en-US" sz="4000">
+                      <a:endParaRPr lang="en-US" sz="3200">
                         <a:effectLst/>
                         <a:latin typeface="Times New Roman" panose="02020603050405020304" pitchFamily="18" charset="0"/>
                         <a:ea typeface="SimSun" panose="02010600030101010101" pitchFamily="2" charset="-122"/>
@@ -7705,12 +7790,12 @@
                         </a:spcAft>
                       </a:pPr>
                       <a:r>
-                        <a:rPr lang="en-AU" sz="2800">
+                        <a:rPr lang="en-AU" sz="2000">
                           <a:effectLst/>
                         </a:rPr>
                         <a:t>3</a:t>
                       </a:r>
-                      <a:endParaRPr lang="en-US" sz="4000">
+                      <a:endParaRPr lang="en-US" sz="3200">
                         <a:effectLst/>
                         <a:latin typeface="Times New Roman" panose="02020603050405020304" pitchFamily="18" charset="0"/>
                         <a:ea typeface="SimSun" panose="02010600030101010101" pitchFamily="2" charset="-122"/>
@@ -7733,12 +7818,12 @@
                         </a:spcAft>
                       </a:pPr>
                       <a:r>
-                        <a:rPr lang="en-AU" sz="2800">
+                        <a:rPr lang="en-AU" sz="2000">
                           <a:effectLst/>
                         </a:rPr>
                         <a:t>62.5%</a:t>
                       </a:r>
-                      <a:endParaRPr lang="en-US" sz="4000">
+                      <a:endParaRPr lang="en-US" sz="3200">
                         <a:effectLst/>
                         <a:latin typeface="Times New Roman" panose="02020603050405020304" pitchFamily="18" charset="0"/>
                         <a:ea typeface="SimSun" panose="02010600030101010101" pitchFamily="2" charset="-122"/>
@@ -7748,7 +7833,7 @@
                   <a:tcPr marL="68580" marR="68580" marT="0" marB="0"/>
                 </a:tc>
               </a:tr>
-              <a:tr h="330085">
+              <a:tr h="403466">
                 <a:tc>
                   <a:txBody>
                     <a:bodyPr/>
@@ -7763,12 +7848,12 @@
                         </a:spcAft>
                       </a:pPr>
                       <a:r>
-                        <a:rPr lang="en-AU" sz="2800">
+                        <a:rPr lang="en-AU" sz="2000" dirty="0">
                           <a:effectLst/>
                         </a:rPr>
                         <a:t>7</a:t>
                       </a:r>
-                      <a:endParaRPr lang="en-US" sz="4000">
+                      <a:endParaRPr lang="en-US" sz="3200" dirty="0">
                         <a:effectLst/>
                         <a:latin typeface="Times New Roman" panose="02020603050405020304" pitchFamily="18" charset="0"/>
                         <a:ea typeface="SimSun" panose="02010600030101010101" pitchFamily="2" charset="-122"/>
@@ -7791,12 +7876,12 @@
                         </a:spcAft>
                       </a:pPr>
                       <a:r>
-                        <a:rPr lang="en-AU" sz="2800">
+                        <a:rPr lang="en-AU" sz="2000">
                           <a:effectLst/>
                         </a:rPr>
                         <a:t>Venn</a:t>
                       </a:r>
-                      <a:endParaRPr lang="en-US" sz="4000">
+                      <a:endParaRPr lang="en-US" sz="3200">
                         <a:effectLst/>
                         <a:latin typeface="Times New Roman" panose="02020603050405020304" pitchFamily="18" charset="0"/>
                         <a:ea typeface="SimSun" panose="02010600030101010101" pitchFamily="2" charset="-122"/>
@@ -7819,12 +7904,12 @@
                         </a:spcAft>
                       </a:pPr>
                       <a:r>
-                        <a:rPr lang="en-AU" sz="2800">
+                        <a:rPr lang="en-AU" sz="2000">
                           <a:effectLst/>
                         </a:rPr>
                         <a:t>10</a:t>
                       </a:r>
-                      <a:endParaRPr lang="en-US" sz="4000">
+                      <a:endParaRPr lang="en-US" sz="3200">
                         <a:effectLst/>
                         <a:latin typeface="Times New Roman" panose="02020603050405020304" pitchFamily="18" charset="0"/>
                         <a:ea typeface="SimSun" panose="02010600030101010101" pitchFamily="2" charset="-122"/>
@@ -7847,12 +7932,12 @@
                         </a:spcAft>
                       </a:pPr>
                       <a:r>
-                        <a:rPr lang="en-AU" sz="2800">
+                        <a:rPr lang="en-AU" sz="2000">
                           <a:effectLst/>
                         </a:rPr>
                         <a:t>1</a:t>
                       </a:r>
-                      <a:endParaRPr lang="en-US" sz="4000">
+                      <a:endParaRPr lang="en-US" sz="3200">
                         <a:effectLst/>
                         <a:latin typeface="Times New Roman" panose="02020603050405020304" pitchFamily="18" charset="0"/>
                         <a:ea typeface="SimSun" panose="02010600030101010101" pitchFamily="2" charset="-122"/>
@@ -7875,12 +7960,12 @@
                         </a:spcAft>
                       </a:pPr>
                       <a:r>
-                        <a:rPr lang="en-AU" sz="2800" dirty="0">
+                        <a:rPr lang="en-AU" sz="2000" dirty="0">
                           <a:effectLst/>
                         </a:rPr>
                         <a:t>90%</a:t>
                       </a:r>
-                      <a:endParaRPr lang="en-US" sz="4000" dirty="0">
+                      <a:endParaRPr lang="en-US" sz="3200" dirty="0">
                         <a:effectLst/>
                         <a:latin typeface="Times New Roman" panose="02020603050405020304" pitchFamily="18" charset="0"/>
                         <a:ea typeface="SimSun" panose="02010600030101010101" pitchFamily="2" charset="-122"/>
@@ -7997,17 +8082,33 @@
             </a:r>
             <a:r>
               <a:rPr lang="en-US" dirty="0"/>
-              <a:t>of the parsing errors are due to the ambiguity of the text labels and some text labels being too far away from the arrows that are supposed to be arrow labels. </a:t>
+              <a:t>of the parsing errors are due to the ambiguity of </a:t>
+            </a:r>
+            <a:r>
+              <a:rPr lang="en-US" dirty="0" smtClean="0"/>
+              <a:t>text </a:t>
+            </a:r>
+            <a:r>
+              <a:rPr lang="en-US" dirty="0"/>
+              <a:t>labels and some text labels being too far away from the arrows that are supposed to be arrow labels. </a:t>
             </a:r>
             <a:endParaRPr lang="en-US" dirty="0" smtClean="0"/>
           </a:p>
           <a:p>
             <a:r>
-              <a:rPr lang="en-US" dirty="0" smtClean="0"/>
+              <a:rPr lang="en-US" b="1" dirty="0" smtClean="0">
+                <a:solidFill>
+                  <a:srgbClr val="FFFF00"/>
+                </a:solidFill>
+              </a:rPr>
               <a:t>System </a:t>
             </a:r>
             <a:r>
-              <a:rPr lang="en-US" dirty="0"/>
+              <a:rPr lang="en-US" b="1" dirty="0">
+                <a:solidFill>
+                  <a:srgbClr val="FFFF00"/>
+                </a:solidFill>
+              </a:rPr>
               <a:t>showed an accuracy of 89.61%.</a:t>
             </a:r>
           </a:p>
@@ -8086,11 +8187,19 @@
           <a:p>
             <a:r>
               <a:rPr lang="en-US" dirty="0" smtClean="0"/>
-              <a:t>Sets </a:t>
+              <a:t>Currently sets drawn using </a:t>
             </a:r>
             <a:r>
               <a:rPr lang="en-US" dirty="0"/>
-              <a:t>can be drawn from few shapes such as rectangles, circles, and ellipses. This method can be extended to apply for sets drawn with any type of Jordan curves. </a:t>
+              <a:t>rectangles, circles, and </a:t>
+            </a:r>
+            <a:r>
+              <a:rPr lang="en-US" dirty="0" smtClean="0"/>
+              <a:t>ellipses are supported. </a:t>
+            </a:r>
+            <a:r>
+              <a:rPr lang="en-US" dirty="0"/>
+              <a:t>This method can be extended to apply for sets drawn with any type of Jordan curves. </a:t>
             </a:r>
             <a:endParaRPr lang="en-US" dirty="0" smtClean="0"/>
           </a:p>
@@ -8115,15 +8224,11 @@
             </a:r>
           </a:p>
           <a:p>
-            <a:r>
-              <a:rPr lang="en-US" dirty="0"/>
-              <a:t>This method can be easily extended into other vector formats of </a:t>
-            </a:r>
+            <a:pPr lvl="1"/>
             <a:r>
               <a:rPr lang="en-US" dirty="0" smtClean="0"/>
-              <a:t>images.</a:t>
-            </a:r>
-            <a:endParaRPr lang="en-US" dirty="0"/>
+              <a:t>Need annotated data</a:t>
+            </a:r>
           </a:p>
         </p:txBody>
       </p:sp>
@@ -8302,15 +8407,31 @@
           <a:p>
             <a:r>
               <a:rPr lang="en-US" dirty="0"/>
-              <a:t>This research is funded by the 2015 University of </a:t>
-            </a:r>
-            <a:r>
-              <a:rPr lang="en-US" dirty="0" err="1"/>
+              <a:t>This research is funded by the </a:t>
+            </a:r>
+            <a:r>
+              <a:rPr lang="en-US" b="1" dirty="0"/>
+              <a:t>2015 University of </a:t>
+            </a:r>
+            <a:r>
+              <a:rPr lang="en-US" b="1" dirty="0" err="1"/>
               <a:t>Moratuwa</a:t>
             </a:r>
             <a:r>
+              <a:rPr lang="en-US" b="1" dirty="0"/>
+              <a:t> Senate Research Grant (SRC)</a:t>
+            </a:r>
+            <a:r>
               <a:rPr lang="en-US" dirty="0"/>
-              <a:t> Senate Research Grant (SRC), and DL4D 2016 research grant.</a:t>
+              <a:t>, and </a:t>
+            </a:r>
+            <a:r>
+              <a:rPr lang="en-US" b="1" dirty="0"/>
+              <a:t>DL4D 2016 research grant</a:t>
+            </a:r>
+            <a:r>
+              <a:rPr lang="en-US" dirty="0"/>
+              <a:t>.</a:t>
             </a:r>
           </a:p>
         </p:txBody>
@@ -8435,7 +8556,15 @@
             </a:r>
             <a:r>
               <a:rPr lang="en-US" dirty="0"/>
-              <a:t>, “Understanding diagrams in technical documents,” in IEEE Computer, 1992, Vol. 25(7), pp. 75-78.</a:t>
+              <a:t>, “</a:t>
+            </a:r>
+            <a:r>
+              <a:rPr lang="en-US" b="1" dirty="0"/>
+              <a:t>Understanding diagrams in technical documents</a:t>
+            </a:r>
+            <a:r>
+              <a:rPr lang="en-US" dirty="0"/>
+              <a:t>,” in IEEE Computer, 1992, Vol. 25(7), pp. 75-78.</a:t>
             </a:r>
           </a:p>
           <a:p>
@@ -8465,7 +8594,19 @@
             </a:r>
             <a:r>
               <a:rPr lang="en-US" dirty="0"/>
-              <a:t>, “Efficient analysis of complex diagrams using constraint-based parsing. In Document Analysis and Recognition,” in Proceedings of the Third International Conference on IEEE, 1995, Vol. 2, pp. 782-790.</a:t>
+              <a:t>, “</a:t>
+            </a:r>
+            <a:r>
+              <a:rPr lang="en-US" b="1" dirty="0"/>
+              <a:t>Efficient analysis of complex diagrams using constraint-based parsing</a:t>
+            </a:r>
+            <a:r>
+              <a:rPr lang="en-US" dirty="0"/>
+              <a:t>. In Document Analysis and Recognition,” in Proceedings of the Third International Conference on IEEE, 1995, Vol. 2, pp. 782-790</a:t>
+            </a:r>
+            <a:r>
+              <a:rPr lang="en-US" dirty="0" smtClean="0"/>
+              <a:t>.</a:t>
             </a:r>
           </a:p>
           <a:p>
@@ -8474,12 +8615,24 @@
               <a:buAutoNum type="arabicPeriod"/>
             </a:pPr>
             <a:r>
-              <a:rPr lang="en-US" dirty="0" smtClean="0"/>
-              <a:t>N</a:t>
-            </a:r>
-            <a:r>
               <a:rPr lang="en-US" dirty="0"/>
-              <a:t>. Smith, P. Thomas, and K. Waugh, "Interpreting imprecise diagrams," Diagrammatic Representation and Inference. Springer Berlin Heidelberg, 2004. 239-241.</a:t>
+              <a:t>W. Huang, C. Tan, and W. K. </a:t>
+            </a:r>
+            <a:r>
+              <a:rPr lang="en-US" dirty="0" err="1"/>
+              <a:t>Leow</a:t>
+            </a:r>
+            <a:r>
+              <a:rPr lang="en-US" dirty="0"/>
+              <a:t>, “</a:t>
+            </a:r>
+            <a:r>
+              <a:rPr lang="en-US" b="1" dirty="0"/>
+              <a:t>Associating text and graphics for scientific chart understanding</a:t>
+            </a:r>
+            <a:r>
+              <a:rPr lang="en-US" dirty="0"/>
+              <a:t>. In Document Analysis and Recognition,” in  Proceedings of the Eighth International Conference on IEEE, 2005, pp. 580-584.</a:t>
             </a:r>
           </a:p>
           <a:p>
@@ -8488,25 +8641,46 @@
               <a:buAutoNum type="arabicPeriod"/>
             </a:pPr>
             <a:r>
-              <a:rPr lang="en-US" dirty="0" err="1" smtClean="0"/>
-              <a:t>P.Thomas</a:t>
-            </a:r>
-            <a:r>
               <a:rPr lang="en-US" dirty="0"/>
-              <a:t>, K. Waugh, and N. Smith, "Experiments in the automatic marking of ER-diagrams," ACM SIGCSE Bulletin, </a:t>
+              <a:t>W. Huang, C. Tan, “</a:t>
+            </a:r>
+            <a:r>
+              <a:rPr lang="en-US" b="1" dirty="0"/>
+              <a:t>A System for Understanding Imaged </a:t>
+            </a:r>
+            <a:r>
+              <a:rPr lang="en-US" b="1" dirty="0" err="1"/>
+              <a:t>Infographics</a:t>
+            </a:r>
+            <a:r>
+              <a:rPr lang="en-US" b="1" dirty="0"/>
+              <a:t> and Its Applications</a:t>
+            </a:r>
+            <a:r>
+              <a:rPr lang="en-US" dirty="0"/>
+              <a:t>,” in Proceedings of the 2007 ACM symposium on Document engineering - </a:t>
             </a:r>
             <a:r>
               <a:rPr lang="en-US" dirty="0" err="1"/>
-              <a:t>Vol</a:t>
+              <a:t>DocEng</a:t>
             </a:r>
             <a:r>
               <a:rPr lang="en-US" dirty="0"/>
-              <a:t> 37(3), pp. 158-162, 2005</a:t>
-            </a:r>
-            <a:r>
-              <a:rPr lang="en-US" dirty="0" smtClean="0"/>
-              <a:t>. </a:t>
-            </a:r>
+              <a:t> '07, 2007.</a:t>
+            </a:r>
+          </a:p>
+          <a:p>
+            <a:pPr marL="457200" indent="-457200">
+              <a:buFont typeface="+mj-lt"/>
+              <a:buAutoNum type="arabicPeriod" startAt="5"/>
+            </a:pPr>
+            <a:endParaRPr lang="en-US" dirty="0"/>
+          </a:p>
+          <a:p>
+            <a:pPr marL="457200" indent="-457200">
+              <a:buFont typeface="+mj-lt"/>
+              <a:buAutoNum type="arabicPeriod"/>
+            </a:pPr>
             <a:endParaRPr lang="en-US" dirty="0"/>
           </a:p>
         </p:txBody>
@@ -8577,7 +8751,7 @@
         <p:spPr/>
         <p:txBody>
           <a:bodyPr>
-            <a:normAutofit fontScale="92500"/>
+            <a:normAutofit/>
           </a:bodyPr>
           <a:lstStyle/>
           <a:p>
@@ -8586,13 +8760,34 @@
               <a:buAutoNum type="arabicPeriod" startAt="5"/>
             </a:pPr>
             <a:r>
-              <a:rPr lang="en-US" dirty="0" smtClean="0"/>
-              <a:t>P</a:t>
-            </a:r>
-            <a:r>
               <a:rPr lang="en-US" dirty="0"/>
-              <a:t>. Thomas, K. Waugh, and N. Smith, "Using patterns in the automatic marking of ER-diagrams," ACM SIGCSE Bulletin. Vol. 38(3), 2006.</a:t>
-            </a:r>
+              <a:t>J. Burton, </a:t>
+            </a:r>
+            <a:r>
+              <a:rPr lang="en-US" dirty="0" err="1"/>
+              <a:t>G.Stapleton</a:t>
+            </a:r>
+            <a:r>
+              <a:rPr lang="en-US" dirty="0"/>
+              <a:t>, J. </a:t>
+            </a:r>
+            <a:r>
+              <a:rPr lang="en-US" dirty="0" err="1"/>
+              <a:t>Howse</a:t>
+            </a:r>
+            <a:r>
+              <a:rPr lang="en-US" dirty="0"/>
+              <a:t>, and P. Chapman, "</a:t>
+            </a:r>
+            <a:r>
+              <a:rPr lang="en-US" b="1" dirty="0"/>
+              <a:t>Visualizing concepts with Euler diagrams</a:t>
+            </a:r>
+            <a:r>
+              <a:rPr lang="en-US" dirty="0"/>
+              <a:t>," in International Conference on Theory and Application of Diagrams, Springer Berlin Heidelberg, 2014. </a:t>
+            </a:r>
+            <a:endParaRPr lang="en-US" dirty="0" smtClean="0"/>
           </a:p>
           <a:p>
             <a:pPr marL="457200" indent="-457200">
@@ -8601,27 +8796,19 @@
             </a:pPr>
             <a:r>
               <a:rPr lang="en-US" dirty="0" smtClean="0"/>
-              <a:t>W</a:t>
+              <a:t>N</a:t>
             </a:r>
             <a:r>
               <a:rPr lang="en-US" dirty="0"/>
-              <a:t>. Huang, C. Tan, and W. K. </a:t>
-            </a:r>
-            <a:r>
-              <a:rPr lang="en-US" dirty="0" err="1"/>
-              <a:t>Leow</a:t>
+              <a:t>. Smith, P. Thomas, and K. Waugh, "</a:t>
+            </a:r>
+            <a:r>
+              <a:rPr lang="en-US" b="1" dirty="0"/>
+              <a:t>Interpreting imprecise diagrams</a:t>
             </a:r>
             <a:r>
               <a:rPr lang="en-US" dirty="0"/>
-              <a:t>, </a:t>
-            </a:r>
-            <a:r>
-              <a:rPr lang="en-US" dirty="0" smtClean="0"/>
-              <a:t>“Associating </a:t>
-            </a:r>
-            <a:r>
-              <a:rPr lang="en-US" dirty="0"/>
-              <a:t>text and graphics for scientific chart understanding. In Document Analysis and Recognition,” in  Proceedings of the Eighth International Conference on IEEE, 2005, pp. 580-584.</a:t>
+              <a:t>," Diagrammatic Representation and Inference. Springer Berlin Heidelberg, 2004. 239-241.</a:t>
             </a:r>
           </a:p>
           <a:p>
@@ -8630,33 +8817,30 @@
               <a:buAutoNum type="arabicPeriod" startAt="5"/>
             </a:pPr>
             <a:r>
-              <a:rPr lang="en-US" dirty="0" smtClean="0"/>
-              <a:t>W</a:t>
+              <a:rPr lang="en-US" dirty="0" err="1"/>
+              <a:t>P.Thomas</a:t>
             </a:r>
             <a:r>
               <a:rPr lang="en-US" dirty="0"/>
-              <a:t>. Huang, C. Tan, “A System for Understanding Imaged </a:t>
+              <a:t>, K. Waugh, and N. Smith, "</a:t>
+            </a:r>
+            <a:r>
+              <a:rPr lang="en-US" b="1" dirty="0"/>
+              <a:t>Experiments in the automatic marking of ER-diagrams</a:t>
+            </a:r>
+            <a:r>
+              <a:rPr lang="en-US" dirty="0"/>
+              <a:t>," ACM SIGCSE Bulletin, </a:t>
             </a:r>
             <a:r>
               <a:rPr lang="en-US" dirty="0" err="1"/>
-              <a:t>Infographics</a:t>
+              <a:t>Vol</a:t>
             </a:r>
             <a:r>
               <a:rPr lang="en-US" dirty="0"/>
-              <a:t> and Its Applications,” in Proceedings of the 2007 ACM symposium on Document engineering - </a:t>
-            </a:r>
-            <a:r>
-              <a:rPr lang="en-US" dirty="0" err="1"/>
-              <a:t>DocEng</a:t>
-            </a:r>
-            <a:r>
-              <a:rPr lang="en-US" dirty="0"/>
-              <a:t> '07, 2007</a:t>
-            </a:r>
-            <a:r>
-              <a:rPr lang="en-US" dirty="0" smtClean="0"/>
-              <a:t>.</a:t>
-            </a:r>
+              <a:t> 37(3), pp. 158-162, 2005. </a:t>
+            </a:r>
+            <a:endParaRPr lang="en-US" dirty="0" smtClean="0"/>
           </a:p>
           <a:p>
             <a:pPr marL="457200" indent="-457200">
@@ -8665,55 +8849,19 @@
             </a:pPr>
             <a:r>
               <a:rPr lang="en-US" dirty="0" smtClean="0"/>
-              <a:t>J. Burton</a:t>
+              <a:t>P</a:t>
             </a:r>
             <a:r>
               <a:rPr lang="en-US" dirty="0"/>
-              <a:t>, </a:t>
-            </a:r>
-            <a:r>
-              <a:rPr lang="en-US" dirty="0" err="1" smtClean="0"/>
-              <a:t>G.Stapleton</a:t>
+              <a:t>. Thomas, K. Waugh, and N. Smith, "</a:t>
+            </a:r>
+            <a:r>
+              <a:rPr lang="en-US" b="1" dirty="0"/>
+              <a:t>Using patterns in the automatic marking of ER-diagrams</a:t>
             </a:r>
             <a:r>
               <a:rPr lang="en-US" dirty="0"/>
-              <a:t>, </a:t>
-            </a:r>
-            <a:r>
-              <a:rPr lang="en-US" dirty="0" smtClean="0"/>
-              <a:t>J. </a:t>
-            </a:r>
-            <a:r>
-              <a:rPr lang="en-US" dirty="0" err="1"/>
-              <a:t>Howse</a:t>
-            </a:r>
-            <a:r>
-              <a:rPr lang="en-US" dirty="0"/>
-              <a:t>, and </a:t>
-            </a:r>
-            <a:r>
-              <a:rPr lang="en-US" dirty="0" smtClean="0"/>
-              <a:t>P. Chapman, </a:t>
-            </a:r>
-            <a:r>
-              <a:rPr lang="en-US" dirty="0"/>
-              <a:t>"Visualizing concepts with Euler </a:t>
-            </a:r>
-            <a:r>
-              <a:rPr lang="en-US" dirty="0" smtClean="0"/>
-              <a:t>diagrams," in International </a:t>
-            </a:r>
-            <a:r>
-              <a:rPr lang="en-US" dirty="0"/>
-              <a:t>Conference on Theory and Application of </a:t>
-            </a:r>
-            <a:r>
-              <a:rPr lang="en-US" dirty="0" smtClean="0"/>
-              <a:t>Diagrams, </a:t>
-            </a:r>
-            <a:r>
-              <a:rPr lang="en-US" dirty="0"/>
-              <a:t>Springer Berlin Heidelberg, 2014.</a:t>
+              <a:t>," ACM SIGCSE Bulletin. Vol. 38(3), 2006.</a:t>
             </a:r>
           </a:p>
           <a:p>
@@ -8767,7 +8915,7 @@
         </p:nvSpPr>
         <p:spPr>
           <a:xfrm>
-            <a:off x="1083632" y="2224586"/>
+            <a:off x="992192" y="3081836"/>
             <a:ext cx="10058400" cy="1450757"/>
           </a:xfrm>
         </p:spPr>
@@ -8928,6 +9076,13 @@
   <p:clrMapOvr>
     <a:masterClrMapping/>
   </p:clrMapOvr>
+  <p:timing>
+    <p:tnLst>
+      <p:par>
+        <p:cTn id="1" dur="indefinite" restart="never" nodeType="tmRoot"/>
+      </p:par>
+    </p:tnLst>
+  </p:timing>
 </p:sld>
 </file>
 
@@ -8992,17 +9147,34 @@
             </a:r>
             <a:r>
               <a:rPr lang="en-US" dirty="0" smtClean="0"/>
-              <a:t>mathematics</a:t>
-            </a:r>
-          </a:p>
-          <a:p>
+              <a:t>Mathematics</a:t>
+            </a:r>
+          </a:p>
+          <a:p>
+            <a:pPr lvl="1"/>
             <a:r>
               <a:rPr lang="en-US" dirty="0" smtClean="0"/>
               <a:t>Especially </a:t>
             </a:r>
             <a:r>
               <a:rPr lang="en-US" dirty="0"/>
-              <a:t>in exams of secondary education such as London Ordinary Level and SAT </a:t>
+              <a:t>in </a:t>
+            </a:r>
+            <a:r>
+              <a:rPr lang="en-US" dirty="0" smtClean="0"/>
+              <a:t>secondary-level exams such </a:t>
+            </a:r>
+            <a:r>
+              <a:rPr lang="en-US" dirty="0"/>
+              <a:t>as London </a:t>
+            </a:r>
+            <a:r>
+              <a:rPr lang="en-US" dirty="0" smtClean="0"/>
+              <a:t>O/L </a:t>
+            </a:r>
+            <a:r>
+              <a:rPr lang="en-US" dirty="0"/>
+              <a:t>and SAT </a:t>
             </a:r>
             <a:r>
               <a:rPr lang="en-US" dirty="0" smtClean="0"/>
@@ -9012,13 +9184,7 @@
           <a:p>
             <a:r>
               <a:rPr lang="en-US" dirty="0" smtClean="0"/>
-              <a:t>In the automatic assessment facilities for mathematics require automatic or semi- automatic diagram assessment method</a:t>
-            </a:r>
-          </a:p>
-          <a:p>
-            <a:r>
-              <a:rPr lang="en-US" dirty="0" smtClean="0"/>
-              <a:t>For the diagram assessment diagram interpretation method is required</a:t>
+              <a:t>For the automatic assessment of diagrams, diagram interpretation is the important first step</a:t>
             </a:r>
           </a:p>
           <a:p>
@@ -9032,7 +9198,7 @@
             </a:r>
             <a:r>
               <a:rPr lang="en-US" dirty="0" smtClean="0"/>
-              <a:t>enn &amp; Euler diagrams, interpretation method is not developed</a:t>
+              <a:t>enn &amp; Euler diagrams, such an interpretation method is not available</a:t>
             </a:r>
             <a:endParaRPr lang="en-US" dirty="0"/>
           </a:p>
@@ -9048,6 +9214,13 @@
   <p:clrMapOvr>
     <a:masterClrMapping/>
   </p:clrMapOvr>
+  <p:timing>
+    <p:tnLst>
+      <p:par>
+        <p:cTn id="1" dur="indefinite" restart="never" nodeType="tmRoot"/>
+      </p:par>
+    </p:tnLst>
+  </p:timing>
 </p:sld>
 </file>
 
@@ -9121,53 +9294,55 @@
           </a:p>
           <a:p>
             <a:r>
+              <a:rPr lang="en-US" dirty="0" smtClean="0"/>
+              <a:t>Huang </a:t>
+            </a:r>
+            <a:r>
+              <a:rPr lang="en-US" dirty="0"/>
+              <a:t>et al </a:t>
+            </a:r>
+            <a:r>
+              <a:rPr lang="en-US" dirty="0" smtClean="0"/>
+              <a:t>[3, 4] </a:t>
+            </a:r>
+            <a:r>
+              <a:rPr lang="en-US" dirty="0"/>
+              <a:t>developed a system that can understand chart images</a:t>
+            </a:r>
+            <a:r>
+              <a:rPr lang="en-US" dirty="0" smtClean="0"/>
+              <a:t>.</a:t>
+            </a:r>
+          </a:p>
+          <a:p>
+            <a:r>
+              <a:rPr lang="en-US" dirty="0" smtClean="0"/>
+              <a:t>Burton et al [5] introduced an abstract syntax for Euler diagram representation</a:t>
+            </a:r>
+          </a:p>
+          <a:p>
+            <a:r>
               <a:rPr lang="en-AU" dirty="0"/>
               <a:t>Thomas et al </a:t>
             </a:r>
             <a:r>
               <a:rPr lang="en-AU" dirty="0" smtClean="0"/>
-              <a:t>[3, 4, and 5] </a:t>
+              <a:t>[6, 7, </a:t>
             </a:r>
             <a:r>
               <a:rPr lang="en-AU" dirty="0"/>
-              <a:t>developed a computer aided assessment system that can handle graph based diagrams such as Entity-Relationship diagrams and flow </a:t>
+              <a:t>and </a:t>
             </a:r>
             <a:r>
               <a:rPr lang="en-AU" dirty="0" smtClean="0"/>
-              <a:t>charts</a:t>
-            </a:r>
-          </a:p>
-          <a:p>
-            <a:r>
-              <a:rPr lang="en-US" dirty="0"/>
-              <a:t>Huang et al </a:t>
-            </a:r>
-            <a:r>
-              <a:rPr lang="en-US" dirty="0" smtClean="0"/>
-              <a:t>[</a:t>
-            </a:r>
-            <a:r>
-              <a:rPr lang="en-US" dirty="0"/>
-              <a:t>6</a:t>
-            </a:r>
-            <a:r>
-              <a:rPr lang="en-US" dirty="0" smtClean="0"/>
-              <a:t>, 7] </a:t>
-            </a:r>
-            <a:r>
-              <a:rPr lang="en-US" dirty="0"/>
-              <a:t>developed a system that can understand chart images</a:t>
-            </a:r>
-            <a:r>
-              <a:rPr lang="en-US" dirty="0" smtClean="0"/>
-              <a:t>.</a:t>
-            </a:r>
-          </a:p>
-          <a:p>
-            <a:r>
-              <a:rPr lang="en-US" dirty="0" smtClean="0"/>
-              <a:t>Burton et al [8] introduced a abstract syntax for Euler diagram representation</a:t>
-            </a:r>
+              <a:t>8] </a:t>
+            </a:r>
+            <a:r>
+              <a:rPr lang="en-AU" dirty="0"/>
+              <a:t>developed a computer aided assessment system that can handle graph based diagrams such as Entity-Relationship diagrams and flow charts</a:t>
+            </a:r>
+          </a:p>
+          <a:p>
             <a:endParaRPr lang="en-US" dirty="0"/>
           </a:p>
         </p:txBody>
@@ -9182,6 +9357,13 @@
   <p:clrMapOvr>
     <a:masterClrMapping/>
   </p:clrMapOvr>
+  <p:timing>
+    <p:tnLst>
+      <p:par>
+        <p:cTn id="1" dur="indefinite" restart="never" nodeType="tmRoot"/>
+      </p:par>
+    </p:tnLst>
+  </p:timing>
 </p:sld>
 </file>
 
@@ -9237,23 +9419,52 @@
         </p:nvSpPr>
         <p:spPr>
           <a:xfrm>
-            <a:off x="1103313" y="2052918"/>
-            <a:ext cx="4151076" cy="4195481"/>
+            <a:off x="962636" y="1476142"/>
+            <a:ext cx="4987998" cy="4812116"/>
           </a:xfrm>
         </p:spPr>
         <p:txBody>
-          <a:bodyPr/>
+          <a:bodyPr>
+            <a:normAutofit lnSpcReduction="10000"/>
+          </a:bodyPr>
           <a:lstStyle/>
           <a:p>
             <a:r>
+              <a:rPr lang="en-US" dirty="0"/>
+              <a:t>Venn &amp; Euler diagrams with Jordan curves are handled.</a:t>
+            </a:r>
+          </a:p>
+          <a:p>
+            <a:pPr lvl="1"/>
+            <a:r>
+              <a:rPr lang="en-US" dirty="0"/>
+              <a:t>Sets are represented with Rectangles, Circles &amp; Ellipses</a:t>
+            </a:r>
+          </a:p>
+          <a:p>
+            <a:pPr lvl="1"/>
+            <a:r>
+              <a:rPr lang="en-US" dirty="0"/>
+              <a:t>Each set is represented with only one curve</a:t>
+            </a:r>
+          </a:p>
+          <a:p>
+            <a:r>
               <a:rPr lang="en-US" dirty="0" smtClean="0"/>
-              <a:t>System accept SVG vector images as the input diagrams</a:t>
-            </a:r>
-          </a:p>
-          <a:p>
+              <a:t>System accepts SVG vector images as the input diagram</a:t>
+            </a:r>
+          </a:p>
+          <a:p>
+            <a:pPr lvl="1"/>
             <a:r>
               <a:rPr lang="en-US" dirty="0" smtClean="0"/>
-              <a:t>SVG diagram is parsed &amp; Extract the domain related information</a:t>
+              <a:t>Some diagrammatic systems use their own image structures</a:t>
+            </a:r>
+          </a:p>
+          <a:p>
+            <a:r>
+              <a:rPr lang="en-US" dirty="0" smtClean="0"/>
+              <a:t>SVG diagram is parsed &amp; domain related information is extracted</a:t>
             </a:r>
           </a:p>
           <a:p>
@@ -9274,7 +9485,7 @@
           <p:nvPr/>
         </p:nvPicPr>
         <p:blipFill>
-          <a:blip r:embed="rId2"/>
+          <a:blip r:embed="rId2" cstate="print"/>
           <a:stretch>
             <a:fillRect/>
           </a:stretch>
@@ -9340,7 +9551,14 @@
             </a:r>
             <a:r>
               <a:rPr lang="en-US" dirty="0" smtClean="0"/>
-              <a:t>Parser Contd.</a:t>
+              <a:t>Parser – </a:t>
+            </a:r>
+            <a:br>
+              <a:rPr lang="en-US" dirty="0" smtClean="0"/>
+            </a:br>
+            <a:r>
+              <a:rPr lang="en-US" dirty="0" smtClean="0"/>
+              <a:t>Text Association</a:t>
             </a:r>
             <a:endParaRPr lang="en-US" dirty="0"/>
           </a:p>
@@ -9358,23 +9576,65 @@
         </p:nvSpPr>
         <p:spPr>
           <a:xfrm>
-            <a:off x="1103313" y="2052918"/>
-            <a:ext cx="3236676" cy="4195481"/>
+            <a:off x="1103312" y="2052918"/>
+            <a:ext cx="3946989" cy="4195481"/>
           </a:xfrm>
         </p:spPr>
         <p:txBody>
-          <a:bodyPr/>
+          <a:bodyPr>
+            <a:normAutofit fontScale="92500" lnSpcReduction="10000"/>
+          </a:bodyPr>
           <a:lstStyle/>
           <a:p>
             <a:r>
+              <a:rPr lang="en-US" dirty="0" smtClean="0"/>
+              <a:t>Text association is the most difficult part of the research</a:t>
+            </a:r>
+          </a:p>
+          <a:p>
+            <a:pPr lvl="1"/>
+            <a:r>
+              <a:rPr lang="en-US" dirty="0" smtClean="0"/>
+              <a:t>Have to deal with text ambiguities </a:t>
+            </a:r>
+          </a:p>
+          <a:p>
+            <a:pPr lvl="1"/>
+            <a:r>
+              <a:rPr lang="en-US" dirty="0" smtClean="0"/>
+              <a:t>Have to deal with human mistakes</a:t>
+            </a:r>
+          </a:p>
+          <a:p>
+            <a:r>
+              <a:rPr lang="en-US" dirty="0" smtClean="0"/>
+              <a:t>Close </a:t>
+            </a:r>
+            <a:r>
               <a:rPr lang="en-US" dirty="0"/>
-              <a:t>Close distance parameters are tuned with reference to minimal font size of a image</a:t>
-            </a:r>
-          </a:p>
-          <a:p>
+              <a:t>distance parameters are tuned with reference to minimal font size of </a:t>
+            </a:r>
+            <a:r>
+              <a:rPr lang="en-US" dirty="0" smtClean="0"/>
+              <a:t>an </a:t>
+            </a:r>
             <a:r>
               <a:rPr lang="en-US" dirty="0"/>
-              <a:t>Text-area association are depend of the centroid, size of the area and the text location</a:t>
+              <a:t>image</a:t>
+            </a:r>
+          </a:p>
+          <a:p>
+            <a:r>
+              <a:rPr lang="en-US" dirty="0"/>
+              <a:t>Text-area association </a:t>
+            </a:r>
+            <a:r>
+              <a:rPr lang="en-US" dirty="0" smtClean="0"/>
+              <a:t>depends on </a:t>
+            </a:r>
+            <a:r>
+              <a:rPr lang="en-US" dirty="0"/>
+              <a:t>the centroid, size of the area and the text location</a:t>
             </a:r>
           </a:p>
           <a:p>
@@ -9391,15 +9651,16 @@
           <p:nvPr/>
         </p:nvPicPr>
         <p:blipFill>
-          <a:blip r:embed="rId2"/>
+          <a:blip r:embed="rId2" cstate="print"/>
+          <a:srcRect l="2799" t="962" b="1981"/>
           <a:stretch>
             <a:fillRect/>
           </a:stretch>
         </p:blipFill>
         <p:spPr>
           <a:xfrm>
-            <a:off x="5111919" y="1255594"/>
-            <a:ext cx="6343348" cy="5478803"/>
+            <a:off x="6020971" y="1675088"/>
+            <a:ext cx="5968879" cy="5147745"/>
           </a:xfrm>
           <a:prstGeom prst="rect">
             <a:avLst/>
@@ -9413,7 +9674,7 @@
           <p:nvPr/>
         </p:nvPicPr>
         <p:blipFill>
-          <a:blip r:embed="rId3">
+          <a:blip r:embed="rId3" cstate="print">
             <a:extLst>
               <a:ext uri="{28A0092B-C50C-407E-A947-70E740481C1C}">
                 <a14:useLocalDpi xmlns:a14="http://schemas.microsoft.com/office/drawing/2010/main" val="0"/>
@@ -9427,7 +9688,7 @@
         </p:blipFill>
         <p:spPr bwMode="auto">
           <a:xfrm>
-            <a:off x="8891365" y="2313797"/>
+            <a:off x="9371170" y="2610977"/>
             <a:ext cx="2427457" cy="1938215"/>
           </a:xfrm>
           <a:prstGeom prst="rect">
@@ -9486,7 +9747,7 @@
           <a:p>
             <a:r>
               <a:rPr lang="en-US" dirty="0" smtClean="0"/>
-              <a:t>Diagram Representation</a:t>
+              <a:t>Diagram Representation: Mathematical Model</a:t>
             </a:r>
             <a:endParaRPr lang="en-US" dirty="0"/>
           </a:p>
@@ -9504,13 +9765,13 @@
         </p:nvSpPr>
         <p:spPr>
           <a:xfrm>
-            <a:off x="5554639" y="2052918"/>
-            <a:ext cx="5923128" cy="4195481"/>
+            <a:off x="6032941" y="1930384"/>
+            <a:ext cx="5923128" cy="4222651"/>
           </a:xfrm>
         </p:spPr>
         <p:txBody>
           <a:bodyPr>
-            <a:normAutofit/>
+            <a:normAutofit lnSpcReduction="10000"/>
           </a:bodyPr>
           <a:lstStyle/>
           <a:p>
@@ -9518,8 +9779,32 @@
               <a:buNone/>
             </a:pPr>
             <a:r>
-              <a:rPr lang="en-US" b="1" u="sng" dirty="0" smtClean="0"/>
+              <a:rPr lang="en-US" b="1" u="sng" dirty="0" smtClean="0">
+                <a:solidFill>
+                  <a:srgbClr val="FFFF00"/>
+                </a:solidFill>
+              </a:rPr>
               <a:t>Abstract Syntax</a:t>
+            </a:r>
+            <a:r>
+              <a:rPr lang="en-US" b="1" dirty="0" smtClean="0">
+                <a:solidFill>
+                  <a:srgbClr val="FFFF00"/>
+                </a:solidFill>
+              </a:rPr>
+              <a:t> </a:t>
+            </a:r>
+            <a:r>
+              <a:rPr lang="en-US" dirty="0" smtClean="0"/>
+              <a:t>(Extended the syntax introduced by Burton </a:t>
+            </a:r>
+            <a:r>
+              <a:rPr lang="en-US" dirty="0"/>
+              <a:t>et al [5</a:t>
+            </a:r>
+            <a:r>
+              <a:rPr lang="en-US" dirty="0" smtClean="0"/>
+              <a:t>]) </a:t>
             </a:r>
           </a:p>
           <a:p>
@@ -9534,23 +9819,19 @@
               <a:t>Curves = {</a:t>
             </a:r>
             <a:r>
-              <a:rPr lang="en-US" dirty="0" err="1"/>
+              <a:rPr lang="en-US" dirty="0"/>
               <a:t>c</a:t>
             </a:r>
             <a:r>
-              <a:rPr lang="en-US" baseline="-25000" dirty="0" err="1"/>
+              <a:rPr lang="en-US" baseline="-25000" dirty="0"/>
               <a:t>a</a:t>
             </a:r>
             <a:r>
               <a:rPr lang="en-US" dirty="0" smtClean="0"/>
-              <a:t>, </a:t>
-            </a:r>
-            <a:r>
-              <a:rPr lang="en-US" dirty="0" err="1" smtClean="0"/>
-              <a:t>c</a:t>
-            </a:r>
-            <a:r>
-              <a:rPr lang="en-US" baseline="-25000" dirty="0" err="1" smtClean="0"/>
+              <a:t>, c</a:t>
+            </a:r>
+            <a:r>
+              <a:rPr lang="en-US" baseline="-25000" dirty="0" smtClean="0"/>
               <a:t>b</a:t>
             </a:r>
             <a:r>
@@ -9569,27 +9850,11 @@
           <a:p>
             <a:r>
               <a:rPr lang="en-US" dirty="0" smtClean="0"/>
-              <a:t>Regions(Called Zones) = {{~</a:t>
-            </a:r>
-            <a:r>
-              <a:rPr lang="en-US" dirty="0" err="1" smtClean="0"/>
-              <a:t>c</a:t>
-            </a:r>
-            <a:r>
-              <a:rPr lang="en-US" baseline="-25000" dirty="0" err="1" smtClean="0"/>
+              <a:t>Regions(Called Zones) = {{~c</a:t>
+            </a:r>
+            <a:r>
+              <a:rPr lang="en-US" baseline="-25000" dirty="0" smtClean="0"/>
               <a:t>a</a:t>
-            </a:r>
-            <a:r>
-              <a:rPr lang="en-US" dirty="0" smtClean="0"/>
-              <a:t>.~</a:t>
-            </a:r>
-            <a:r>
-              <a:rPr lang="en-US" dirty="0" err="1" smtClean="0"/>
-              <a:t>c</a:t>
-            </a:r>
-            <a:r>
-              <a:rPr lang="en-US" baseline="-25000" dirty="0" err="1" smtClean="0"/>
-              <a:t>b</a:t>
             </a:r>
             <a:r>
               <a:rPr lang="en-US" dirty="0" smtClean="0"/>
@@ -9597,6 +9862,14 @@
             </a:r>
             <a:r>
               <a:rPr lang="en-US" baseline="-25000" dirty="0" smtClean="0"/>
+              <a:t>b</a:t>
+            </a:r>
+            <a:r>
+              <a:rPr lang="en-US" dirty="0" smtClean="0"/>
+              <a:t>.~c</a:t>
+            </a:r>
+            <a:r>
+              <a:rPr lang="en-US" baseline="-25000" dirty="0" smtClean="0"/>
               <a:t>c</a:t>
             </a:r>
             <a:r>
@@ -9649,14 +9922,10 @@
             </a:r>
             <a:r>
               <a:rPr lang="en-US" dirty="0" smtClean="0"/>
-              <a:t>.</a:t>
-            </a:r>
-            <a:r>
-              <a:rPr lang="en-US" dirty="0" err="1" smtClean="0"/>
-              <a:t>c</a:t>
-            </a:r>
-            <a:r>
-              <a:rPr lang="en-US" baseline="-25000" dirty="0" err="1" smtClean="0"/>
+              <a:t>.c</a:t>
+            </a:r>
+            <a:r>
+              <a:rPr lang="en-US" baseline="-25000" dirty="0" smtClean="0"/>
               <a:t>b</a:t>
             </a:r>
             <a:r>
@@ -9701,14 +9970,38 @@
             </a:r>
             <a:r>
               <a:rPr lang="en-US" dirty="0" smtClean="0"/>
-              <a:t>{</a:t>
-            </a:r>
-            <a:r>
-              <a:rPr lang="en-US" dirty="0" err="1" smtClean="0"/>
+              <a:t>{c</a:t>
+            </a:r>
+            <a:r>
+              <a:rPr lang="en-US" baseline="-25000" dirty="0" smtClean="0"/>
+              <a:t>a</a:t>
+            </a:r>
+            <a:r>
+              <a:rPr lang="en-US" dirty="0"/>
+              <a:t>.~c</a:t>
+            </a:r>
+            <a:r>
+              <a:rPr lang="en-US" baseline="-25000" dirty="0"/>
+              <a:t>b</a:t>
+            </a:r>
+            <a:r>
+              <a:rPr lang="en-US" dirty="0"/>
+              <a:t>.~c</a:t>
+            </a:r>
+            <a:r>
+              <a:rPr lang="en-US" baseline="-25000" dirty="0"/>
               <a:t>c</a:t>
             </a:r>
             <a:r>
-              <a:rPr lang="en-US" baseline="-25000" dirty="0" err="1" smtClean="0"/>
+              <a:rPr lang="en-US" dirty="0"/>
+              <a:t>}, </a:t>
+            </a:r>
+            <a:r>
+              <a:rPr lang="en-US" dirty="0" smtClean="0"/>
+              <a:t>{c</a:t>
+            </a:r>
+            <a:r>
+              <a:rPr lang="en-US" baseline="-25000" dirty="0" smtClean="0"/>
               <a:t>a</a:t>
             </a:r>
             <a:r>
@@ -9716,11 +10009,39 @@
               <a:t>.~</a:t>
             </a:r>
             <a:r>
-              <a:rPr lang="en-US" dirty="0" err="1"/>
+              <a:rPr lang="en-US" dirty="0" smtClean="0"/>
               <a:t>c</a:t>
             </a:r>
             <a:r>
-              <a:rPr lang="en-US" baseline="-25000" dirty="0" err="1"/>
+              <a:rPr lang="en-US" baseline="-25000" dirty="0" smtClean="0"/>
+              <a:t>b</a:t>
+            </a:r>
+            <a:r>
+              <a:rPr lang="en-US" dirty="0" smtClean="0"/>
+              <a:t>.c</a:t>
+            </a:r>
+            <a:r>
+              <a:rPr lang="en-US" baseline="-25000" dirty="0" smtClean="0"/>
+              <a:t>c</a:t>
+            </a:r>
+            <a:r>
+              <a:rPr lang="en-US" dirty="0"/>
+              <a:t>}, </a:t>
+            </a:r>
+            <a:r>
+              <a:rPr lang="en-US" dirty="0" smtClean="0"/>
+              <a:t>{c</a:t>
+            </a:r>
+            <a:r>
+              <a:rPr lang="en-US" baseline="-25000" dirty="0" smtClean="0"/>
+              <a:t>a</a:t>
+            </a:r>
+            <a:r>
+              <a:rPr lang="en-US" dirty="0" smtClean="0"/>
+              <a:t>.c</a:t>
+            </a:r>
+            <a:r>
+              <a:rPr lang="en-US" baseline="-25000" dirty="0" smtClean="0"/>
               <a:t>b</a:t>
             </a:r>
             <a:r>
@@ -9744,6 +10065,96 @@
               <a:t>a</a:t>
             </a:r>
             <a:r>
+              <a:rPr lang="en-US" dirty="0" smtClean="0"/>
+              <a:t>.c</a:t>
+            </a:r>
+            <a:r>
+              <a:rPr lang="en-US" baseline="-25000" dirty="0" smtClean="0"/>
+              <a:t>b</a:t>
+            </a:r>
+            <a:r>
+              <a:rPr lang="en-US" dirty="0" smtClean="0"/>
+              <a:t>.c</a:t>
+            </a:r>
+            <a:r>
+              <a:rPr lang="en-US" baseline="-25000" dirty="0" smtClean="0"/>
+              <a:t>c</a:t>
+            </a:r>
+            <a:r>
+              <a:rPr lang="en-US" dirty="0" smtClean="0"/>
+              <a:t>}}</a:t>
+            </a:r>
+          </a:p>
+          <a:p>
+            <a:r>
+              <a:rPr lang="en-US" dirty="0" smtClean="0"/>
+              <a:t>No of elements = {{c</a:t>
+            </a:r>
+            <a:r>
+              <a:rPr lang="en-US" baseline="-25000" dirty="0" smtClean="0"/>
+              <a:t>a</a:t>
+            </a:r>
+            <a:r>
+              <a:rPr lang="en-US" dirty="0" smtClean="0"/>
+              <a:t>=100}, </a:t>
+            </a:r>
+            <a:r>
+              <a:rPr lang="en-US" dirty="0"/>
+              <a:t>{</a:t>
+            </a:r>
+            <a:r>
+              <a:rPr lang="en-US" dirty="0" smtClean="0"/>
+              <a:t>c</a:t>
+            </a:r>
+            <a:r>
+              <a:rPr lang="en-US" baseline="-25000" dirty="0" smtClean="0"/>
+              <a:t>b</a:t>
+            </a:r>
+            <a:r>
+              <a:rPr lang="en-US" dirty="0" smtClean="0"/>
+              <a:t>=80}, </a:t>
+            </a:r>
+            <a:r>
+              <a:rPr lang="en-US" dirty="0"/>
+              <a:t>{</a:t>
+            </a:r>
+            <a:r>
+              <a:rPr lang="en-US" dirty="0" smtClean="0"/>
+              <a:t>c</a:t>
+            </a:r>
+            <a:r>
+              <a:rPr lang="en-US" baseline="-25000" dirty="0" smtClean="0"/>
+              <a:t>c</a:t>
+            </a:r>
+            <a:r>
+              <a:rPr lang="en-US" dirty="0" smtClean="0"/>
+              <a:t>=30}, {c</a:t>
+            </a:r>
+            <a:r>
+              <a:rPr lang="en-US" baseline="-25000" dirty="0" smtClean="0"/>
+              <a:t>a</a:t>
+            </a:r>
+            <a:r>
+              <a:rPr lang="en-US" dirty="0" smtClean="0"/>
+              <a:t>.c</a:t>
+            </a:r>
+            <a:r>
+              <a:rPr lang="en-US" baseline="-25000" dirty="0" smtClean="0"/>
+              <a:t>b</a:t>
+            </a:r>
+            <a:r>
+              <a:rPr lang="en-US" dirty="0" smtClean="0"/>
+              <a:t>=15}, </a:t>
+            </a:r>
+            <a:r>
+              <a:rPr lang="en-US" dirty="0"/>
+              <a:t>{~c</a:t>
+            </a:r>
+            <a:r>
+              <a:rPr lang="en-US" baseline="-25000" dirty="0"/>
+              <a:t>a</a:t>
+            </a:r>
+            <a:r>
               <a:rPr lang="en-US" dirty="0"/>
               <a:t>.~</a:t>
             </a:r>
@@ -9761,15 +10172,75 @@
             </a:r>
             <a:r>
               <a:rPr lang="en-US" baseline="-25000" dirty="0" smtClean="0"/>
+              <a:t>c </a:t>
+            </a:r>
+            <a:r>
+              <a:rPr lang="en-US" dirty="0" smtClean="0"/>
+              <a:t>=5}, </a:t>
+            </a:r>
+            <a:r>
+              <a:rPr lang="en-US" dirty="0"/>
+              <a:t>{~c</a:t>
+            </a:r>
+            <a:r>
+              <a:rPr lang="en-US" baseline="-25000" dirty="0"/>
+              <a:t>a</a:t>
+            </a:r>
+            <a:r>
+              <a:rPr lang="en-US" dirty="0"/>
+              <a:t>.c</a:t>
+            </a:r>
+            <a:r>
+              <a:rPr lang="en-US" baseline="-25000" dirty="0"/>
+              <a:t>b</a:t>
+            </a:r>
+            <a:r>
+              <a:rPr lang="en-US" dirty="0"/>
+              <a:t>.~</a:t>
+            </a:r>
+            <a:r>
+              <a:rPr lang="en-US" dirty="0" smtClean="0"/>
               <a:t>c</a:t>
             </a:r>
             <a:r>
+              <a:rPr lang="en-US" baseline="-25000" dirty="0" smtClean="0"/>
+              <a:t>c</a:t>
+            </a:r>
+            <a:r>
+              <a:rPr lang="en-US" dirty="0" smtClean="0"/>
+              <a:t>=x}, {</a:t>
+            </a:r>
+            <a:r>
               <a:rPr lang="en-US" dirty="0"/>
-              <a:t>}, </a:t>
+              <a:t>c</a:t>
+            </a:r>
+            <a:r>
+              <a:rPr lang="en-US" baseline="-25000" dirty="0"/>
+              <a:t>a</a:t>
+            </a:r>
+            <a:r>
+              <a:rPr lang="en-US" dirty="0"/>
+              <a:t>.~</a:t>
             </a:r>
             <a:r>
               <a:rPr lang="en-US" dirty="0" smtClean="0"/>
-              <a:t>{c</a:t>
+              <a:t>c</a:t>
+            </a:r>
+            <a:r>
+              <a:rPr lang="en-US" baseline="-25000" dirty="0" smtClean="0"/>
+              <a:t>b</a:t>
+            </a:r>
+            <a:r>
+              <a:rPr lang="en-US" dirty="0" smtClean="0"/>
+              <a:t>.c</a:t>
+            </a:r>
+            <a:r>
+              <a:rPr lang="en-US" baseline="-25000" dirty="0" smtClean="0"/>
+              <a:t>c</a:t>
+            </a:r>
+            <a:r>
+              <a:rPr lang="en-US" dirty="0" smtClean="0"/>
+              <a:t>=8}, {c</a:t>
             </a:r>
             <a:r>
               <a:rPr lang="en-US" baseline="-25000" dirty="0" smtClean="0"/>
@@ -9777,35 +10248,11 @@
             </a:r>
             <a:r>
               <a:rPr lang="en-US" dirty="0" smtClean="0"/>
-              <a:t>.</a:t>
-            </a:r>
-            <a:r>
-              <a:rPr lang="en-US" dirty="0" err="1" smtClean="0"/>
-              <a:t>c</a:t>
-            </a:r>
-            <a:r>
-              <a:rPr lang="en-US" baseline="-25000" dirty="0" err="1" smtClean="0"/>
+              <a:t>.c</a:t>
+            </a:r>
+            <a:r>
+              <a:rPr lang="en-US" baseline="-25000" dirty="0" smtClean="0"/>
               <a:t>b</a:t>
-            </a:r>
-            <a:r>
-              <a:rPr lang="en-US" dirty="0"/>
-              <a:t>.~c</a:t>
-            </a:r>
-            <a:r>
-              <a:rPr lang="en-US" baseline="-25000" dirty="0"/>
-              <a:t>c</a:t>
-            </a:r>
-            <a:r>
-              <a:rPr lang="en-US" dirty="0"/>
-              <a:t>}, </a:t>
-            </a:r>
-            <a:r>
-              <a:rPr lang="en-US" dirty="0" smtClean="0"/>
-              <a:t>{c</a:t>
-            </a:r>
-            <a:r>
-              <a:rPr lang="en-US" baseline="-25000" dirty="0" smtClean="0"/>
-              <a:t>a</a:t>
             </a:r>
             <a:r>
               <a:rPr lang="en-US" dirty="0" smtClean="0"/>
@@ -9813,157 +10260,17 @@
             </a:r>
             <a:r>
               <a:rPr lang="en-US" baseline="-25000" dirty="0" smtClean="0"/>
-              <a:t>b</a:t>
+              <a:t>c</a:t>
             </a:r>
             <a:r>
               <a:rPr lang="en-US" dirty="0" smtClean="0"/>
-              <a:t>.c</a:t>
-            </a:r>
-            <a:r>
-              <a:rPr lang="en-US" baseline="-25000" dirty="0" smtClean="0"/>
-              <a:t>c</a:t>
-            </a:r>
+              <a:t>=10}}</a:t>
+            </a:r>
+          </a:p>
+          <a:p>
             <a:r>
               <a:rPr lang="en-US" dirty="0" smtClean="0"/>
-              <a:t>}}</a:t>
-            </a:r>
-          </a:p>
-          <a:p>
-            <a:r>
-              <a:rPr lang="en-US" dirty="0" smtClean="0"/>
-              <a:t>No of elements = {{</a:t>
-            </a:r>
-            <a:r>
-              <a:rPr lang="en-US" dirty="0" err="1" smtClean="0"/>
-              <a:t>c</a:t>
-            </a:r>
-            <a:r>
-              <a:rPr lang="en-US" baseline="-25000" dirty="0" err="1" smtClean="0"/>
-              <a:t>a</a:t>
-            </a:r>
-            <a:r>
-              <a:rPr lang="en-US" dirty="0" smtClean="0"/>
-              <a:t>=100}, </a:t>
-            </a:r>
-            <a:r>
-              <a:rPr lang="en-US" dirty="0"/>
-              <a:t>{</a:t>
-            </a:r>
-            <a:r>
-              <a:rPr lang="en-US" dirty="0" err="1" smtClean="0"/>
-              <a:t>c</a:t>
-            </a:r>
-            <a:r>
-              <a:rPr lang="en-US" baseline="-25000" dirty="0" err="1" smtClean="0"/>
-              <a:t>b</a:t>
-            </a:r>
-            <a:r>
-              <a:rPr lang="en-US" dirty="0" smtClean="0"/>
-              <a:t>=80}, </a:t>
-            </a:r>
-            <a:r>
-              <a:rPr lang="en-US" dirty="0"/>
-              <a:t>{</a:t>
-            </a:r>
-            <a:r>
-              <a:rPr lang="en-US" dirty="0" smtClean="0"/>
-              <a:t>c</a:t>
-            </a:r>
-            <a:r>
-              <a:rPr lang="en-US" baseline="-25000" dirty="0" smtClean="0"/>
-              <a:t>c</a:t>
-            </a:r>
-            <a:r>
-              <a:rPr lang="en-US" dirty="0" smtClean="0"/>
-              <a:t>=30}, {</a:t>
-            </a:r>
-            <a:r>
-              <a:rPr lang="en-US" dirty="0" err="1" smtClean="0"/>
-              <a:t>c</a:t>
-            </a:r>
-            <a:r>
-              <a:rPr lang="en-US" baseline="-25000" dirty="0" err="1" smtClean="0"/>
-              <a:t>a</a:t>
-            </a:r>
-            <a:r>
-              <a:rPr lang="en-US" dirty="0" err="1" smtClean="0"/>
-              <a:t>.c</a:t>
-            </a:r>
-            <a:r>
-              <a:rPr lang="en-US" baseline="-25000" dirty="0" err="1" smtClean="0"/>
-              <a:t>b</a:t>
-            </a:r>
-            <a:r>
-              <a:rPr lang="en-US" dirty="0" smtClean="0"/>
-              <a:t>=15}, </a:t>
-            </a:r>
-            <a:r>
-              <a:rPr lang="en-US" dirty="0"/>
-              <a:t>{~c</a:t>
-            </a:r>
-            <a:r>
-              <a:rPr lang="en-US" baseline="-25000" dirty="0"/>
-              <a:t>a</a:t>
-            </a:r>
-            <a:r>
-              <a:rPr lang="en-US" dirty="0"/>
-              <a:t>.~</a:t>
-            </a:r>
-            <a:r>
-              <a:rPr lang="en-US" dirty="0" smtClean="0"/>
-              <a:t>c</a:t>
-            </a:r>
-            <a:r>
-              <a:rPr lang="en-US" baseline="-25000" dirty="0" smtClean="0"/>
-              <a:t>b</a:t>
-            </a:r>
-            <a:r>
-              <a:rPr lang="en-US" dirty="0" smtClean="0"/>
-              <a:t>.c</a:t>
-            </a:r>
-            <a:r>
-              <a:rPr lang="en-US" baseline="-25000" dirty="0" smtClean="0"/>
-              <a:t>c </a:t>
-            </a:r>
-            <a:r>
-              <a:rPr lang="en-US" dirty="0" smtClean="0"/>
-              <a:t>=5}, </a:t>
-            </a:r>
-            <a:r>
-              <a:rPr lang="en-US" dirty="0"/>
-              <a:t>{~c</a:t>
-            </a:r>
-            <a:r>
-              <a:rPr lang="en-US" baseline="-25000" dirty="0"/>
-              <a:t>a</a:t>
-            </a:r>
-            <a:r>
-              <a:rPr lang="en-US" dirty="0"/>
-              <a:t>.</a:t>
-            </a:r>
-            <a:r>
-              <a:rPr lang="en-US" dirty="0" err="1"/>
-              <a:t>c</a:t>
-            </a:r>
-            <a:r>
-              <a:rPr lang="en-US" baseline="-25000" dirty="0" err="1"/>
-              <a:t>b</a:t>
-            </a:r>
-            <a:r>
-              <a:rPr lang="en-US" dirty="0"/>
-              <a:t>.~</a:t>
-            </a:r>
-            <a:r>
-              <a:rPr lang="en-US" dirty="0" smtClean="0"/>
-              <a:t>c</a:t>
-            </a:r>
-            <a:r>
-              <a:rPr lang="en-US" baseline="-25000" dirty="0" smtClean="0"/>
-              <a:t>c</a:t>
-            </a:r>
-            <a:r>
-              <a:rPr lang="en-US" dirty="0" smtClean="0"/>
-              <a:t>=x}, {</a:t>
+              <a:t>Shaded Zones ={</a:t>
             </a:r>
             <a:r>
               <a:rPr lang="en-US" dirty="0"/>
@@ -9971,68 +10278,6 @@
             </a:r>
             <a:r>
               <a:rPr lang="en-US" baseline="-25000" dirty="0"/>
-              <a:t>a</a:t>
-            </a:r>
-            <a:r>
-              <a:rPr lang="en-US" dirty="0"/>
-              <a:t>.~</a:t>
-            </a:r>
-            <a:r>
-              <a:rPr lang="en-US" dirty="0" smtClean="0"/>
-              <a:t>c</a:t>
-            </a:r>
-            <a:r>
-              <a:rPr lang="en-US" baseline="-25000" dirty="0" smtClean="0"/>
-              <a:t>b</a:t>
-            </a:r>
-            <a:r>
-              <a:rPr lang="en-US" dirty="0" smtClean="0"/>
-              <a:t>.c</a:t>
-            </a:r>
-            <a:r>
-              <a:rPr lang="en-US" baseline="-25000" dirty="0" smtClean="0"/>
-              <a:t>c</a:t>
-            </a:r>
-            <a:r>
-              <a:rPr lang="en-US" dirty="0" smtClean="0"/>
-              <a:t>=8}, {c</a:t>
-            </a:r>
-            <a:r>
-              <a:rPr lang="en-US" baseline="-25000" dirty="0" smtClean="0"/>
-              <a:t>a</a:t>
-            </a:r>
-            <a:r>
-              <a:rPr lang="en-US" dirty="0" smtClean="0"/>
-              <a:t>.c</a:t>
-            </a:r>
-            <a:r>
-              <a:rPr lang="en-US" baseline="-25000" dirty="0" smtClean="0"/>
-              <a:t>b</a:t>
-            </a:r>
-            <a:r>
-              <a:rPr lang="en-US" dirty="0" smtClean="0"/>
-              <a:t>.c</a:t>
-            </a:r>
-            <a:r>
-              <a:rPr lang="en-US" baseline="-25000" dirty="0" smtClean="0"/>
-              <a:t>c</a:t>
-            </a:r>
-            <a:r>
-              <a:rPr lang="en-US" dirty="0" smtClean="0"/>
-              <a:t>=10}}</a:t>
-            </a:r>
-          </a:p>
-          <a:p>
-            <a:r>
-              <a:rPr lang="en-US" dirty="0" smtClean="0"/>
-              <a:t>Shaded Zones ={</a:t>
-            </a:r>
-            <a:r>
-              <a:rPr lang="en-US" dirty="0" err="1"/>
-              <a:t>c</a:t>
-            </a:r>
-            <a:r>
-              <a:rPr lang="en-US" baseline="-25000" dirty="0" err="1"/>
               <a:t>a</a:t>
             </a:r>
             <a:r>
@@ -10050,7 +10295,7 @@
           <p:nvPr/>
         </p:nvPicPr>
         <p:blipFill>
-          <a:blip r:embed="rId2">
+          <a:blip r:embed="rId2" cstate="print">
             <a:extLst>
               <a:ext uri="{28A0092B-C50C-407E-A947-70E740481C1C}">
                 <a14:useLocalDpi xmlns:a14="http://schemas.microsoft.com/office/drawing/2010/main" val="0"/>
@@ -10064,7 +10309,7 @@
         </p:blipFill>
         <p:spPr bwMode="auto">
           <a:xfrm>
-            <a:off x="646111" y="2052918"/>
+            <a:off x="632043" y="2052918"/>
             <a:ext cx="4660862" cy="3679142"/>
           </a:xfrm>
           <a:prstGeom prst="rect">
@@ -10274,6 +10519,39 @@
           </a:p>
         </p:txBody>
       </p:sp>
+      <p:cxnSp>
+        <p:nvCxnSpPr>
+          <p:cNvPr id="7" name="Straight Arrow Connector 6"/>
+          <p:cNvCxnSpPr/>
+          <p:nvPr/>
+        </p:nvCxnSpPr>
+        <p:spPr>
+          <a:xfrm>
+            <a:off x="5520164" y="3836444"/>
+            <a:ext cx="337624" cy="0"/>
+          </a:xfrm>
+          <a:prstGeom prst="straightConnector1">
+            <a:avLst/>
+          </a:prstGeom>
+          <a:ln w="50800">
+            <a:tailEnd type="triangle"/>
+          </a:ln>
+        </p:spPr>
+        <p:style>
+          <a:lnRef idx="3">
+            <a:schemeClr val="dk1"/>
+          </a:lnRef>
+          <a:fillRef idx="0">
+            <a:schemeClr val="dk1"/>
+          </a:fillRef>
+          <a:effectRef idx="2">
+            <a:schemeClr val="dk1"/>
+          </a:effectRef>
+          <a:fontRef idx="minor">
+            <a:schemeClr val="tx1"/>
+          </a:fontRef>
+        </p:style>
+      </p:cxnSp>
     </p:spTree>
     <p:extLst>
       <p:ext uri="{BB962C8B-B14F-4D97-AF65-F5344CB8AC3E}">
@@ -10334,7 +10612,7 @@
           <p:nvPr/>
         </p:nvPicPr>
         <p:blipFill>
-          <a:blip r:embed="rId3">
+          <a:blip r:embed="rId3" cstate="print">
             <a:extLst>
               <a:ext uri="{28A0092B-C50C-407E-A947-70E740481C1C}">
                 <a14:useLocalDpi xmlns:a14="http://schemas.microsoft.com/office/drawing/2010/main" val="0"/>
@@ -10567,7 +10845,7 @@
           <p:nvPr/>
         </p:nvPicPr>
         <p:blipFill>
-          <a:blip r:embed="rId4">
+          <a:blip r:embed="rId4" cstate="print">
             <a:extLst>
               <a:ext uri="{28A0092B-C50C-407E-A947-70E740481C1C}">
                 <a14:useLocalDpi xmlns:a14="http://schemas.microsoft.com/office/drawing/2010/main" val="0"/>
@@ -10899,17 +11177,33 @@
             </a:r>
             <a:r>
               <a:rPr lang="en-US" dirty="0"/>
-              <a:t>, collected hand-written answer scripts that collectively contained 3 Venn and 4 Euler diagrams from university undergraduates and grade 10 school students</a:t>
+              <a:t>, collected hand-written answer </a:t>
             </a:r>
             <a:r>
               <a:rPr lang="en-US" dirty="0" smtClean="0"/>
-              <a:t>.</a:t>
-            </a:r>
-          </a:p>
-          <a:p>
+              <a:t>scripts (includes GCE O/L questions) </a:t>
+            </a:r>
+            <a:r>
+              <a:rPr lang="en-US" dirty="0"/>
+              <a:t>that collectively contained 3 Venn and 4 Euler diagrams from university undergraduates and grade 10 school </a:t>
+            </a:r>
             <a:r>
               <a:rPr lang="en-US" dirty="0" smtClean="0"/>
-              <a:t>Collected 77 diagrams are converted to SVG using a editor &amp; given to the parser</a:t>
+              <a:t>students</a:t>
+            </a:r>
+          </a:p>
+          <a:p>
+            <a:r>
+              <a:rPr lang="en-US" dirty="0" smtClean="0"/>
+              <a:t>Collected </a:t>
+            </a:r>
+            <a:r>
+              <a:rPr lang="en-US" b="1" dirty="0" smtClean="0"/>
+              <a:t>77 diagrams </a:t>
+            </a:r>
+            <a:r>
+              <a:rPr lang="en-US" dirty="0" smtClean="0"/>
+              <a:t>are converted to SVG using a editor &amp; given to the parser</a:t>
             </a:r>
           </a:p>
           <a:p>
@@ -10977,7 +11271,7 @@
     </a:clrScheme>
     <a:fontScheme name="Ion">
       <a:majorFont>
-        <a:latin typeface="Century Gothic" panose="020B0502020202020204"/>
+        <a:latin typeface="Century Gothic"/>
         <a:ea typeface=""/>
         <a:cs typeface=""/>
         <a:font script="Jpan" typeface="メイリオ"/>
@@ -11012,7 +11306,7 @@
         <a:font script="Geor" typeface="Sylfaen"/>
       </a:majorFont>
       <a:minorFont>
-        <a:latin typeface="Century Gothic" panose="020B0502020202020204"/>
+        <a:latin typeface="Century Gothic"/>
         <a:ea typeface=""/>
         <a:cs typeface=""/>
         <a:font script="Jpan" typeface="メイリオ"/>
@@ -11243,7 +11537,7 @@
     </a:clrScheme>
     <a:fontScheme name="Office">
       <a:majorFont>
-        <a:latin typeface="Calibri Light" panose="020F0302020204030204"/>
+        <a:latin typeface="Calibri Light"/>
         <a:ea typeface=""/>
         <a:cs typeface=""/>
         <a:font script="Jpan" typeface="ＭＳ Ｐゴシック"/>
@@ -11278,7 +11572,7 @@
         <a:font script="Geor" typeface="Sylfaen"/>
       </a:majorFont>
       <a:minorFont>
-        <a:latin typeface="Calibri" panose="020F0502020204030204"/>
+        <a:latin typeface="Calibri"/>
         <a:ea typeface=""/>
         <a:cs typeface=""/>
         <a:font script="Jpan" typeface="ＭＳ Ｐゴシック"/>
